--- a/Documentation/ProfilesRNS_DataFlowDiagram.pptx
+++ b/Documentation/ProfilesRNS_DataFlowDiagram.pptx
@@ -104,6 +104,22 @@
       </a:defRPr>
     </a:lvl9pPr>
   </p:defaultTextStyle>
+  <p:extLst>
+    <p:ext uri="{EFAFB233-063F-42B5-8137-9DF3F51BA10A}">
+      <p15:sldGuideLst xmlns:p15="http://schemas.microsoft.com/office/powerpoint/2012/main">
+        <p15:guide id="1" orient="horz" pos="2160">
+          <p15:clr>
+            <a:srgbClr val="A4A3A4"/>
+          </p15:clr>
+        </p15:guide>
+        <p15:guide id="2" pos="2880">
+          <p15:clr>
+            <a:srgbClr val="A4A3A4"/>
+          </p15:clr>
+        </p15:guide>
+      </p15:sldGuideLst>
+    </p:ext>
+  </p:extLst>
 </p:presentation>
 </file>
 
@@ -289,7 +305,7 @@
             <a:fld id="{72957018-D432-EA46-BFF1-2153CC7DE60B}" type="datetimeFigureOut">
               <a:rPr lang="en-US" smtClean="0"/>
               <a:pPr/>
-              <a:t>8/7/2013</a:t>
+              <a:t>7/21/2014</a:t>
             </a:fld>
             <a:endParaRPr lang="en-US"/>
           </a:p>
@@ -461,7 +477,7 @@
             <a:fld id="{72957018-D432-EA46-BFF1-2153CC7DE60B}" type="datetimeFigureOut">
               <a:rPr lang="en-US" smtClean="0"/>
               <a:pPr/>
-              <a:t>8/7/2013</a:t>
+              <a:t>7/21/2014</a:t>
             </a:fld>
             <a:endParaRPr lang="en-US"/>
           </a:p>
@@ -643,7 +659,7 @@
             <a:fld id="{72957018-D432-EA46-BFF1-2153CC7DE60B}" type="datetimeFigureOut">
               <a:rPr lang="en-US" smtClean="0"/>
               <a:pPr/>
-              <a:t>8/7/2013</a:t>
+              <a:t>7/21/2014</a:t>
             </a:fld>
             <a:endParaRPr lang="en-US"/>
           </a:p>
@@ -815,7 +831,7 @@
             <a:fld id="{72957018-D432-EA46-BFF1-2153CC7DE60B}" type="datetimeFigureOut">
               <a:rPr lang="en-US" smtClean="0"/>
               <a:pPr/>
-              <a:t>8/7/2013</a:t>
+              <a:t>7/21/2014</a:t>
             </a:fld>
             <a:endParaRPr lang="en-US"/>
           </a:p>
@@ -1063,7 +1079,7 @@
             <a:fld id="{72957018-D432-EA46-BFF1-2153CC7DE60B}" type="datetimeFigureOut">
               <a:rPr lang="en-US" smtClean="0"/>
               <a:pPr/>
-              <a:t>8/7/2013</a:t>
+              <a:t>7/21/2014</a:t>
             </a:fld>
             <a:endParaRPr lang="en-US"/>
           </a:p>
@@ -1353,7 +1369,7 @@
             <a:fld id="{72957018-D432-EA46-BFF1-2153CC7DE60B}" type="datetimeFigureOut">
               <a:rPr lang="en-US" smtClean="0"/>
               <a:pPr/>
-              <a:t>8/7/2013</a:t>
+              <a:t>7/21/2014</a:t>
             </a:fld>
             <a:endParaRPr lang="en-US"/>
           </a:p>
@@ -1777,7 +1793,7 @@
             <a:fld id="{72957018-D432-EA46-BFF1-2153CC7DE60B}" type="datetimeFigureOut">
               <a:rPr lang="en-US" smtClean="0"/>
               <a:pPr/>
-              <a:t>8/7/2013</a:t>
+              <a:t>7/21/2014</a:t>
             </a:fld>
             <a:endParaRPr lang="en-US"/>
           </a:p>
@@ -1897,7 +1913,7 @@
             <a:fld id="{72957018-D432-EA46-BFF1-2153CC7DE60B}" type="datetimeFigureOut">
               <a:rPr lang="en-US" smtClean="0"/>
               <a:pPr/>
-              <a:t>8/7/2013</a:t>
+              <a:t>7/21/2014</a:t>
             </a:fld>
             <a:endParaRPr lang="en-US"/>
           </a:p>
@@ -1994,7 +2010,7 @@
             <a:fld id="{72957018-D432-EA46-BFF1-2153CC7DE60B}" type="datetimeFigureOut">
               <a:rPr lang="en-US" smtClean="0"/>
               <a:pPr/>
-              <a:t>8/7/2013</a:t>
+              <a:t>7/21/2014</a:t>
             </a:fld>
             <a:endParaRPr lang="en-US"/>
           </a:p>
@@ -2273,7 +2289,7 @@
             <a:fld id="{72957018-D432-EA46-BFF1-2153CC7DE60B}" type="datetimeFigureOut">
               <a:rPr lang="en-US" smtClean="0"/>
               <a:pPr/>
-              <a:t>8/7/2013</a:t>
+              <a:t>7/21/2014</a:t>
             </a:fld>
             <a:endParaRPr lang="en-US"/>
           </a:p>
@@ -2528,7 +2544,7 @@
             <a:fld id="{72957018-D432-EA46-BFF1-2153CC7DE60B}" type="datetimeFigureOut">
               <a:rPr lang="en-US" smtClean="0"/>
               <a:pPr/>
-              <a:t>8/7/2013</a:t>
+              <a:t>7/21/2014</a:t>
             </a:fld>
             <a:endParaRPr lang="en-US"/>
           </a:p>
@@ -2743,7 +2759,7 @@
             <a:fld id="{72957018-D432-EA46-BFF1-2153CC7DE60B}" type="datetimeFigureOut">
               <a:rPr lang="en-US" smtClean="0"/>
               <a:pPr/>
-              <a:t>8/7/2013</a:t>
+              <a:t>7/21/2014</a:t>
             </a:fld>
             <a:endParaRPr lang="en-US"/>
           </a:p>
@@ -8004,15 +8020,15 @@
             <a:pPr algn="ctr"/>
             <a:r>
               <a:rPr lang="en-US" sz="2400" dirty="0" smtClean="0"/>
-              <a:t>Profiles RNS </a:t>
-            </a:r>
-            <a:r>
-              <a:rPr lang="en-US" sz="2400" dirty="0" smtClean="0"/>
-              <a:t>2.0.0</a:t>
-            </a:r>
-            <a:r>
-              <a:rPr lang="en-US" sz="2400" dirty="0" smtClean="0"/>
-              <a:t> </a:t>
+              <a:t>Profiles </a:t>
+            </a:r>
+            <a:r>
+              <a:rPr lang="en-US" sz="2400" smtClean="0"/>
+              <a:t>RNS </a:t>
+            </a:r>
+            <a:r>
+              <a:rPr lang="en-US" sz="2400" smtClean="0"/>
+              <a:t>2.1.0 </a:t>
             </a:r>
             <a:r>
               <a:rPr lang="en-US" sz="2400" dirty="0" smtClean="0"/>
@@ -8280,15 +8296,7 @@
             </a:r>
             <a:r>
               <a:rPr lang="en-US" sz="1300" smtClean="0"/>
-              <a:t>RNS </a:t>
-            </a:r>
-            <a:r>
-              <a:rPr lang="en-US" sz="1300" smtClean="0"/>
-              <a:t>2.0.0</a:t>
-            </a:r>
-            <a:r>
-              <a:rPr lang="en-US" sz="1300" smtClean="0"/>
-              <a:t>.</a:t>
+              <a:t>RNS 2.0.0.</a:t>
             </a:r>
             <a:endParaRPr lang="en-US" sz="1300" dirty="0"/>
           </a:p>

--- a/Documentation/ProfilesRNS_DataFlowDiagram.pptx
+++ b/Documentation/ProfilesRNS_DataFlowDiagram.pptx
@@ -305,7 +305,7 @@
             <a:fld id="{72957018-D432-EA46-BFF1-2153CC7DE60B}" type="datetimeFigureOut">
               <a:rPr lang="en-US" smtClean="0"/>
               <a:pPr/>
-              <a:t>7/21/2014</a:t>
+              <a:t>8/2/2014</a:t>
             </a:fld>
             <a:endParaRPr lang="en-US"/>
           </a:p>
@@ -477,7 +477,7 @@
             <a:fld id="{72957018-D432-EA46-BFF1-2153CC7DE60B}" type="datetimeFigureOut">
               <a:rPr lang="en-US" smtClean="0"/>
               <a:pPr/>
-              <a:t>7/21/2014</a:t>
+              <a:t>8/2/2014</a:t>
             </a:fld>
             <a:endParaRPr lang="en-US"/>
           </a:p>
@@ -659,7 +659,7 @@
             <a:fld id="{72957018-D432-EA46-BFF1-2153CC7DE60B}" type="datetimeFigureOut">
               <a:rPr lang="en-US" smtClean="0"/>
               <a:pPr/>
-              <a:t>7/21/2014</a:t>
+              <a:t>8/2/2014</a:t>
             </a:fld>
             <a:endParaRPr lang="en-US"/>
           </a:p>
@@ -831,7 +831,7 @@
             <a:fld id="{72957018-D432-EA46-BFF1-2153CC7DE60B}" type="datetimeFigureOut">
               <a:rPr lang="en-US" smtClean="0"/>
               <a:pPr/>
-              <a:t>7/21/2014</a:t>
+              <a:t>8/2/2014</a:t>
             </a:fld>
             <a:endParaRPr lang="en-US"/>
           </a:p>
@@ -1079,7 +1079,7 @@
             <a:fld id="{72957018-D432-EA46-BFF1-2153CC7DE60B}" type="datetimeFigureOut">
               <a:rPr lang="en-US" smtClean="0"/>
               <a:pPr/>
-              <a:t>7/21/2014</a:t>
+              <a:t>8/2/2014</a:t>
             </a:fld>
             <a:endParaRPr lang="en-US"/>
           </a:p>
@@ -1369,7 +1369,7 @@
             <a:fld id="{72957018-D432-EA46-BFF1-2153CC7DE60B}" type="datetimeFigureOut">
               <a:rPr lang="en-US" smtClean="0"/>
               <a:pPr/>
-              <a:t>7/21/2014</a:t>
+              <a:t>8/2/2014</a:t>
             </a:fld>
             <a:endParaRPr lang="en-US"/>
           </a:p>
@@ -1793,7 +1793,7 @@
             <a:fld id="{72957018-D432-EA46-BFF1-2153CC7DE60B}" type="datetimeFigureOut">
               <a:rPr lang="en-US" smtClean="0"/>
               <a:pPr/>
-              <a:t>7/21/2014</a:t>
+              <a:t>8/2/2014</a:t>
             </a:fld>
             <a:endParaRPr lang="en-US"/>
           </a:p>
@@ -1913,7 +1913,7 @@
             <a:fld id="{72957018-D432-EA46-BFF1-2153CC7DE60B}" type="datetimeFigureOut">
               <a:rPr lang="en-US" smtClean="0"/>
               <a:pPr/>
-              <a:t>7/21/2014</a:t>
+              <a:t>8/2/2014</a:t>
             </a:fld>
             <a:endParaRPr lang="en-US"/>
           </a:p>
@@ -2010,7 +2010,7 @@
             <a:fld id="{72957018-D432-EA46-BFF1-2153CC7DE60B}" type="datetimeFigureOut">
               <a:rPr lang="en-US" smtClean="0"/>
               <a:pPr/>
-              <a:t>7/21/2014</a:t>
+              <a:t>8/2/2014</a:t>
             </a:fld>
             <a:endParaRPr lang="en-US"/>
           </a:p>
@@ -2289,7 +2289,7 @@
             <a:fld id="{72957018-D432-EA46-BFF1-2153CC7DE60B}" type="datetimeFigureOut">
               <a:rPr lang="en-US" smtClean="0"/>
               <a:pPr/>
-              <a:t>7/21/2014</a:t>
+              <a:t>8/2/2014</a:t>
             </a:fld>
             <a:endParaRPr lang="en-US"/>
           </a:p>
@@ -2544,7 +2544,7 @@
             <a:fld id="{72957018-D432-EA46-BFF1-2153CC7DE60B}" type="datetimeFigureOut">
               <a:rPr lang="en-US" smtClean="0"/>
               <a:pPr/>
-              <a:t>7/21/2014</a:t>
+              <a:t>8/2/2014</a:t>
             </a:fld>
             <a:endParaRPr lang="en-US"/>
           </a:p>
@@ -2759,7 +2759,7 @@
             <a:fld id="{72957018-D432-EA46-BFF1-2153CC7DE60B}" type="datetimeFigureOut">
               <a:rPr lang="en-US" smtClean="0"/>
               <a:pPr/>
-              <a:t>7/21/2014</a:t>
+              <a:t>8/2/2014</a:t>
             </a:fld>
             <a:endParaRPr lang="en-US"/>
           </a:p>
@@ -8028,7 +8028,7 @@
             </a:r>
             <a:r>
               <a:rPr lang="en-US" sz="2400" smtClean="0"/>
-              <a:t>2.1.0 </a:t>
+              <a:t>2.5.0 </a:t>
             </a:r>
             <a:r>
               <a:rPr lang="en-US" sz="2400" dirty="0" smtClean="0"/>

--- a/Documentation/ProfilesRNS_DataFlowDiagram.pptx
+++ b/Documentation/ProfilesRNS_DataFlowDiagram.pptx
@@ -305,7 +305,7 @@
             <a:fld id="{72957018-D432-EA46-BFF1-2153CC7DE60B}" type="datetimeFigureOut">
               <a:rPr lang="en-US" smtClean="0"/>
               <a:pPr/>
-              <a:t>8/2/2014</a:t>
+              <a:t>9/9/2014</a:t>
             </a:fld>
             <a:endParaRPr lang="en-US"/>
           </a:p>
@@ -477,7 +477,7 @@
             <a:fld id="{72957018-D432-EA46-BFF1-2153CC7DE60B}" type="datetimeFigureOut">
               <a:rPr lang="en-US" smtClean="0"/>
               <a:pPr/>
-              <a:t>8/2/2014</a:t>
+              <a:t>9/9/2014</a:t>
             </a:fld>
             <a:endParaRPr lang="en-US"/>
           </a:p>
@@ -659,7 +659,7 @@
             <a:fld id="{72957018-D432-EA46-BFF1-2153CC7DE60B}" type="datetimeFigureOut">
               <a:rPr lang="en-US" smtClean="0"/>
               <a:pPr/>
-              <a:t>8/2/2014</a:t>
+              <a:t>9/9/2014</a:t>
             </a:fld>
             <a:endParaRPr lang="en-US"/>
           </a:p>
@@ -831,7 +831,7 @@
             <a:fld id="{72957018-D432-EA46-BFF1-2153CC7DE60B}" type="datetimeFigureOut">
               <a:rPr lang="en-US" smtClean="0"/>
               <a:pPr/>
-              <a:t>8/2/2014</a:t>
+              <a:t>9/9/2014</a:t>
             </a:fld>
             <a:endParaRPr lang="en-US"/>
           </a:p>
@@ -1079,7 +1079,7 @@
             <a:fld id="{72957018-D432-EA46-BFF1-2153CC7DE60B}" type="datetimeFigureOut">
               <a:rPr lang="en-US" smtClean="0"/>
               <a:pPr/>
-              <a:t>8/2/2014</a:t>
+              <a:t>9/9/2014</a:t>
             </a:fld>
             <a:endParaRPr lang="en-US"/>
           </a:p>
@@ -1369,7 +1369,7 @@
             <a:fld id="{72957018-D432-EA46-BFF1-2153CC7DE60B}" type="datetimeFigureOut">
               <a:rPr lang="en-US" smtClean="0"/>
               <a:pPr/>
-              <a:t>8/2/2014</a:t>
+              <a:t>9/9/2014</a:t>
             </a:fld>
             <a:endParaRPr lang="en-US"/>
           </a:p>
@@ -1793,7 +1793,7 @@
             <a:fld id="{72957018-D432-EA46-BFF1-2153CC7DE60B}" type="datetimeFigureOut">
               <a:rPr lang="en-US" smtClean="0"/>
               <a:pPr/>
-              <a:t>8/2/2014</a:t>
+              <a:t>9/9/2014</a:t>
             </a:fld>
             <a:endParaRPr lang="en-US"/>
           </a:p>
@@ -1913,7 +1913,7 @@
             <a:fld id="{72957018-D432-EA46-BFF1-2153CC7DE60B}" type="datetimeFigureOut">
               <a:rPr lang="en-US" smtClean="0"/>
               <a:pPr/>
-              <a:t>8/2/2014</a:t>
+              <a:t>9/9/2014</a:t>
             </a:fld>
             <a:endParaRPr lang="en-US"/>
           </a:p>
@@ -2010,7 +2010,7 @@
             <a:fld id="{72957018-D432-EA46-BFF1-2153CC7DE60B}" type="datetimeFigureOut">
               <a:rPr lang="en-US" smtClean="0"/>
               <a:pPr/>
-              <a:t>8/2/2014</a:t>
+              <a:t>9/9/2014</a:t>
             </a:fld>
             <a:endParaRPr lang="en-US"/>
           </a:p>
@@ -2289,7 +2289,7 @@
             <a:fld id="{72957018-D432-EA46-BFF1-2153CC7DE60B}" type="datetimeFigureOut">
               <a:rPr lang="en-US" smtClean="0"/>
               <a:pPr/>
-              <a:t>8/2/2014</a:t>
+              <a:t>9/9/2014</a:t>
             </a:fld>
             <a:endParaRPr lang="en-US"/>
           </a:p>
@@ -2544,7 +2544,7 @@
             <a:fld id="{72957018-D432-EA46-BFF1-2153CC7DE60B}" type="datetimeFigureOut">
               <a:rPr lang="en-US" smtClean="0"/>
               <a:pPr/>
-              <a:t>8/2/2014</a:t>
+              <a:t>9/9/2014</a:t>
             </a:fld>
             <a:endParaRPr lang="en-US"/>
           </a:p>
@@ -2759,7 +2759,7 @@
             <a:fld id="{72957018-D432-EA46-BFF1-2153CC7DE60B}" type="datetimeFigureOut">
               <a:rPr lang="en-US" smtClean="0"/>
               <a:pPr/>
-              <a:t>8/2/2014</a:t>
+              <a:t>9/9/2014</a:t>
             </a:fld>
             <a:endParaRPr lang="en-US"/>
           </a:p>
@@ -8024,11 +8024,7 @@
             </a:r>
             <a:r>
               <a:rPr lang="en-US" sz="2400" smtClean="0"/>
-              <a:t>RNS </a:t>
-            </a:r>
-            <a:r>
-              <a:rPr lang="en-US" sz="2400" smtClean="0"/>
-              <a:t>2.5.0 </a:t>
+              <a:t>RNS 2.5.1 </a:t>
             </a:r>
             <a:r>
               <a:rPr lang="en-US" sz="2400" dirty="0" smtClean="0"/>
@@ -8296,9 +8292,242 @@
             </a:r>
             <a:r>
               <a:rPr lang="en-US" sz="1300" smtClean="0"/>
-              <a:t>RNS 2.0.0.</a:t>
+              <a:t>RNS </a:t>
+            </a:r>
+            <a:r>
+              <a:rPr lang="en-US" sz="1300" smtClean="0"/>
+              <a:t>2.5.1.</a:t>
             </a:r>
             <a:endParaRPr lang="en-US" sz="1300" dirty="0"/>
+          </a:p>
+        </p:txBody>
+      </p:sp>
+      <p:sp>
+        <p:nvSpPr>
+          <p:cNvPr id="116" name="Oval 115"/>
+          <p:cNvSpPr/>
+          <p:nvPr/>
+        </p:nvSpPr>
+        <p:spPr>
+          <a:xfrm>
+            <a:off x="380261" y="4320296"/>
+            <a:ext cx="981685" cy="320813"/>
+          </a:xfrm>
+          <a:prstGeom prst="ellipse">
+            <a:avLst/>
+          </a:prstGeom>
+          <a:gradFill>
+            <a:gsLst>
+              <a:gs pos="0">
+                <a:schemeClr val="bg1">
+                  <a:lumMod val="85000"/>
+                </a:schemeClr>
+              </a:gs>
+              <a:gs pos="100000">
+                <a:schemeClr val="bg1"/>
+              </a:gs>
+            </a:gsLst>
+          </a:gradFill>
+          <a:ln>
+            <a:solidFill>
+              <a:schemeClr val="tx1"/>
+            </a:solidFill>
+          </a:ln>
+        </p:spPr>
+        <p:style>
+          <a:lnRef idx="1">
+            <a:schemeClr val="accent1"/>
+          </a:lnRef>
+          <a:fillRef idx="3">
+            <a:schemeClr val="accent1"/>
+          </a:fillRef>
+          <a:effectRef idx="2">
+            <a:schemeClr val="accent1"/>
+          </a:effectRef>
+          <a:fontRef idx="minor">
+            <a:schemeClr val="lt1"/>
+          </a:fontRef>
+        </p:style>
+        <p:txBody>
+          <a:bodyPr rtlCol="0" anchor="ctr"/>
+          <a:lstStyle/>
+          <a:p>
+            <a:pPr algn="ctr"/>
+            <a:r>
+              <a:rPr lang="en-US" sz="800" dirty="0" smtClean="0">
+                <a:solidFill>
+                  <a:schemeClr val="tx1"/>
+                </a:solidFill>
+              </a:rPr>
+              <a:t>Eagle-</a:t>
+            </a:r>
+            <a:r>
+              <a:rPr lang="en-US" sz="800" dirty="0" err="1" smtClean="0">
+                <a:solidFill>
+                  <a:schemeClr val="tx1"/>
+                </a:solidFill>
+              </a:rPr>
+              <a:t>i</a:t>
+            </a:r>
+            <a:endParaRPr lang="en-US" sz="800" dirty="0">
+              <a:solidFill>
+                <a:schemeClr val="tx1"/>
+              </a:solidFill>
+            </a:endParaRPr>
+          </a:p>
+        </p:txBody>
+      </p:sp>
+      <p:cxnSp>
+        <p:nvCxnSpPr>
+          <p:cNvPr id="117" name="Straight Arrow Connector 85"/>
+          <p:cNvCxnSpPr>
+            <a:stCxn id="116" idx="6"/>
+          </p:cNvCxnSpPr>
+          <p:nvPr/>
+        </p:nvCxnSpPr>
+        <p:spPr>
+          <a:xfrm>
+            <a:off x="1361946" y="4480703"/>
+            <a:ext cx="1721069" cy="334895"/>
+          </a:xfrm>
+          <a:prstGeom prst="bentConnector3">
+            <a:avLst>
+              <a:gd name="adj1" fmla="val 81175"/>
+            </a:avLst>
+          </a:prstGeom>
+          <a:ln w="3175" cmpd="sng">
+            <a:solidFill>
+              <a:srgbClr val="000000"/>
+            </a:solidFill>
+            <a:headEnd type="none"/>
+            <a:tailEnd type="triangle"/>
+          </a:ln>
+        </p:spPr>
+        <p:style>
+          <a:lnRef idx="2">
+            <a:schemeClr val="accent1"/>
+          </a:lnRef>
+          <a:fillRef idx="0">
+            <a:schemeClr val="accent1"/>
+          </a:fillRef>
+          <a:effectRef idx="1">
+            <a:schemeClr val="accent1"/>
+          </a:effectRef>
+          <a:fontRef idx="minor">
+            <a:schemeClr val="tx1"/>
+          </a:fontRef>
+        </p:style>
+      </p:cxnSp>
+      <p:sp>
+        <p:nvSpPr>
+          <p:cNvPr id="118" name="Rectangle 117"/>
+          <p:cNvSpPr/>
+          <p:nvPr/>
+        </p:nvSpPr>
+        <p:spPr>
+          <a:xfrm>
+            <a:off x="1563464" y="4379447"/>
+            <a:ext cx="1131557" cy="298351"/>
+          </a:xfrm>
+          <a:prstGeom prst="rect">
+            <a:avLst/>
+          </a:prstGeom>
+          <a:solidFill>
+            <a:schemeClr val="bg1"/>
+          </a:solidFill>
+          <a:ln w="28575" cmpd="sng">
+            <a:solidFill>
+              <a:srgbClr val="FF0000"/>
+            </a:solidFill>
+          </a:ln>
+          <a:effectLst/>
+        </p:spPr>
+        <p:style>
+          <a:lnRef idx="1">
+            <a:schemeClr val="accent1"/>
+          </a:lnRef>
+          <a:fillRef idx="3">
+            <a:schemeClr val="accent1"/>
+          </a:fillRef>
+          <a:effectRef idx="2">
+            <a:schemeClr val="accent1"/>
+          </a:effectRef>
+          <a:fontRef idx="minor">
+            <a:schemeClr val="lt1"/>
+          </a:fontRef>
+        </p:style>
+        <p:txBody>
+          <a:bodyPr rtlCol="0" anchor="ctr"/>
+          <a:lstStyle/>
+          <a:p>
+            <a:pPr algn="ctr"/>
+            <a:r>
+              <a:rPr lang="en-US" sz="600" dirty="0" smtClean="0">
+                <a:solidFill>
+                  <a:schemeClr val="tx1"/>
+                </a:solidFill>
+              </a:rPr>
+              <a:t>[</a:t>
+            </a:r>
+            <a:r>
+              <a:rPr lang="en-US" sz="600" dirty="0" err="1" smtClean="0">
+                <a:solidFill>
+                  <a:schemeClr val="tx1"/>
+                </a:solidFill>
+              </a:rPr>
+              <a:t>Profile.Data</a:t>
+            </a:r>
+            <a:r>
+              <a:rPr lang="en-US" sz="600" dirty="0" smtClean="0">
+                <a:solidFill>
+                  <a:schemeClr val="tx1"/>
+                </a:solidFill>
+              </a:rPr>
+              <a:t>].</a:t>
+            </a:r>
+          </a:p>
+          <a:p>
+            <a:pPr algn="ctr"/>
+            <a:r>
+              <a:rPr lang="en-US" sz="600" dirty="0" smtClean="0">
+                <a:solidFill>
+                  <a:schemeClr val="tx1"/>
+                </a:solidFill>
+              </a:rPr>
+              <a:t>[</a:t>
+            </a:r>
+            <a:r>
+              <a:rPr lang="en-US" sz="600" dirty="0" err="1" smtClean="0">
+                <a:solidFill>
+                  <a:schemeClr val="tx1"/>
+                </a:solidFill>
+              </a:rPr>
+              <a:t>EagleI.ImportXML</a:t>
+            </a:r>
+            <a:r>
+              <a:rPr lang="en-US" sz="600" dirty="0" smtClean="0">
+                <a:solidFill>
+                  <a:schemeClr val="tx1"/>
+                </a:solidFill>
+              </a:rPr>
+              <a:t>]</a:t>
+            </a:r>
+          </a:p>
+          <a:p>
+            <a:pPr algn="ctr"/>
+            <a:r>
+              <a:rPr lang="en-US" sz="600" dirty="0" smtClean="0">
+                <a:solidFill>
+                  <a:schemeClr val="tx1"/>
+                </a:solidFill>
+              </a:rPr>
+              <a:t>[Profile.Data].[EagleI.HTML]</a:t>
+            </a:r>
+            <a:endParaRPr lang="en-US" sz="600" dirty="0">
+              <a:solidFill>
+                <a:schemeClr val="tx1"/>
+              </a:solidFill>
+            </a:endParaRPr>
           </a:p>
         </p:txBody>
       </p:sp>

--- a/Documentation/ProfilesRNS_DataFlowDiagram.pptx
+++ b/Documentation/ProfilesRNS_DataFlowDiagram.pptx
@@ -305,7 +305,7 @@
             <a:fld id="{72957018-D432-EA46-BFF1-2153CC7DE60B}" type="datetimeFigureOut">
               <a:rPr lang="en-US" smtClean="0"/>
               <a:pPr/>
-              <a:t>9/9/2014</a:t>
+              <a:t>3/19/2015</a:t>
             </a:fld>
             <a:endParaRPr lang="en-US"/>
           </a:p>
@@ -477,7 +477,7 @@
             <a:fld id="{72957018-D432-EA46-BFF1-2153CC7DE60B}" type="datetimeFigureOut">
               <a:rPr lang="en-US" smtClean="0"/>
               <a:pPr/>
-              <a:t>9/9/2014</a:t>
+              <a:t>3/19/2015</a:t>
             </a:fld>
             <a:endParaRPr lang="en-US"/>
           </a:p>
@@ -659,7 +659,7 @@
             <a:fld id="{72957018-D432-EA46-BFF1-2153CC7DE60B}" type="datetimeFigureOut">
               <a:rPr lang="en-US" smtClean="0"/>
               <a:pPr/>
-              <a:t>9/9/2014</a:t>
+              <a:t>3/19/2015</a:t>
             </a:fld>
             <a:endParaRPr lang="en-US"/>
           </a:p>
@@ -831,7 +831,7 @@
             <a:fld id="{72957018-D432-EA46-BFF1-2153CC7DE60B}" type="datetimeFigureOut">
               <a:rPr lang="en-US" smtClean="0"/>
               <a:pPr/>
-              <a:t>9/9/2014</a:t>
+              <a:t>3/19/2015</a:t>
             </a:fld>
             <a:endParaRPr lang="en-US"/>
           </a:p>
@@ -1079,7 +1079,7 @@
             <a:fld id="{72957018-D432-EA46-BFF1-2153CC7DE60B}" type="datetimeFigureOut">
               <a:rPr lang="en-US" smtClean="0"/>
               <a:pPr/>
-              <a:t>9/9/2014</a:t>
+              <a:t>3/19/2015</a:t>
             </a:fld>
             <a:endParaRPr lang="en-US"/>
           </a:p>
@@ -1369,7 +1369,7 @@
             <a:fld id="{72957018-D432-EA46-BFF1-2153CC7DE60B}" type="datetimeFigureOut">
               <a:rPr lang="en-US" smtClean="0"/>
               <a:pPr/>
-              <a:t>9/9/2014</a:t>
+              <a:t>3/19/2015</a:t>
             </a:fld>
             <a:endParaRPr lang="en-US"/>
           </a:p>
@@ -1793,7 +1793,7 @@
             <a:fld id="{72957018-D432-EA46-BFF1-2153CC7DE60B}" type="datetimeFigureOut">
               <a:rPr lang="en-US" smtClean="0"/>
               <a:pPr/>
-              <a:t>9/9/2014</a:t>
+              <a:t>3/19/2015</a:t>
             </a:fld>
             <a:endParaRPr lang="en-US"/>
           </a:p>
@@ -1913,7 +1913,7 @@
             <a:fld id="{72957018-D432-EA46-BFF1-2153CC7DE60B}" type="datetimeFigureOut">
               <a:rPr lang="en-US" smtClean="0"/>
               <a:pPr/>
-              <a:t>9/9/2014</a:t>
+              <a:t>3/19/2015</a:t>
             </a:fld>
             <a:endParaRPr lang="en-US"/>
           </a:p>
@@ -2010,7 +2010,7 @@
             <a:fld id="{72957018-D432-EA46-BFF1-2153CC7DE60B}" type="datetimeFigureOut">
               <a:rPr lang="en-US" smtClean="0"/>
               <a:pPr/>
-              <a:t>9/9/2014</a:t>
+              <a:t>3/19/2015</a:t>
             </a:fld>
             <a:endParaRPr lang="en-US"/>
           </a:p>
@@ -2289,7 +2289,7 @@
             <a:fld id="{72957018-D432-EA46-BFF1-2153CC7DE60B}" type="datetimeFigureOut">
               <a:rPr lang="en-US" smtClean="0"/>
               <a:pPr/>
-              <a:t>9/9/2014</a:t>
+              <a:t>3/19/2015</a:t>
             </a:fld>
             <a:endParaRPr lang="en-US"/>
           </a:p>
@@ -2544,7 +2544,7 @@
             <a:fld id="{72957018-D432-EA46-BFF1-2153CC7DE60B}" type="datetimeFigureOut">
               <a:rPr lang="en-US" smtClean="0"/>
               <a:pPr/>
-              <a:t>9/9/2014</a:t>
+              <a:t>3/19/2015</a:t>
             </a:fld>
             <a:endParaRPr lang="en-US"/>
           </a:p>
@@ -2759,7 +2759,7 @@
             <a:fld id="{72957018-D432-EA46-BFF1-2153CC7DE60B}" type="datetimeFigureOut">
               <a:rPr lang="en-US" smtClean="0"/>
               <a:pPr/>
-              <a:t>9/9/2014</a:t>
+              <a:t>3/19/2015</a:t>
             </a:fld>
             <a:endParaRPr lang="en-US"/>
           </a:p>
@@ -8024,7 +8024,11 @@
             </a:r>
             <a:r>
               <a:rPr lang="en-US" sz="2400" smtClean="0"/>
-              <a:t>RNS 2.5.1 </a:t>
+              <a:t>RNS </a:t>
+            </a:r>
+            <a:r>
+              <a:rPr lang="en-US" sz="2400" smtClean="0"/>
+              <a:t>2.6.0 </a:t>
             </a:r>
             <a:r>
               <a:rPr lang="en-US" sz="2400" dirty="0" smtClean="0"/>
@@ -8292,11 +8296,7 @@
             </a:r>
             <a:r>
               <a:rPr lang="en-US" sz="1300" smtClean="0"/>
-              <a:t>RNS </a:t>
-            </a:r>
-            <a:r>
-              <a:rPr lang="en-US" sz="1300" smtClean="0"/>
-              <a:t>2.5.1.</a:t>
+              <a:t>RNS 2.6</a:t>
             </a:r>
             <a:endParaRPr lang="en-US" sz="1300" dirty="0"/>
           </a:p>

--- a/Documentation/ProfilesRNS_DataFlowDiagram.pptx
+++ b/Documentation/ProfilesRNS_DataFlowDiagram.pptx
@@ -305,7 +305,7 @@
             <a:fld id="{72957018-D432-EA46-BFF1-2153CC7DE60B}" type="datetimeFigureOut">
               <a:rPr lang="en-US" smtClean="0"/>
               <a:pPr/>
-              <a:t>3/19/2015</a:t>
+              <a:t>8/3/2015</a:t>
             </a:fld>
             <a:endParaRPr lang="en-US"/>
           </a:p>
@@ -477,7 +477,7 @@
             <a:fld id="{72957018-D432-EA46-BFF1-2153CC7DE60B}" type="datetimeFigureOut">
               <a:rPr lang="en-US" smtClean="0"/>
               <a:pPr/>
-              <a:t>3/19/2015</a:t>
+              <a:t>8/3/2015</a:t>
             </a:fld>
             <a:endParaRPr lang="en-US"/>
           </a:p>
@@ -659,7 +659,7 @@
             <a:fld id="{72957018-D432-EA46-BFF1-2153CC7DE60B}" type="datetimeFigureOut">
               <a:rPr lang="en-US" smtClean="0"/>
               <a:pPr/>
-              <a:t>3/19/2015</a:t>
+              <a:t>8/3/2015</a:t>
             </a:fld>
             <a:endParaRPr lang="en-US"/>
           </a:p>
@@ -831,7 +831,7 @@
             <a:fld id="{72957018-D432-EA46-BFF1-2153CC7DE60B}" type="datetimeFigureOut">
               <a:rPr lang="en-US" smtClean="0"/>
               <a:pPr/>
-              <a:t>3/19/2015</a:t>
+              <a:t>8/3/2015</a:t>
             </a:fld>
             <a:endParaRPr lang="en-US"/>
           </a:p>
@@ -1079,7 +1079,7 @@
             <a:fld id="{72957018-D432-EA46-BFF1-2153CC7DE60B}" type="datetimeFigureOut">
               <a:rPr lang="en-US" smtClean="0"/>
               <a:pPr/>
-              <a:t>3/19/2015</a:t>
+              <a:t>8/3/2015</a:t>
             </a:fld>
             <a:endParaRPr lang="en-US"/>
           </a:p>
@@ -1369,7 +1369,7 @@
             <a:fld id="{72957018-D432-EA46-BFF1-2153CC7DE60B}" type="datetimeFigureOut">
               <a:rPr lang="en-US" smtClean="0"/>
               <a:pPr/>
-              <a:t>3/19/2015</a:t>
+              <a:t>8/3/2015</a:t>
             </a:fld>
             <a:endParaRPr lang="en-US"/>
           </a:p>
@@ -1793,7 +1793,7 @@
             <a:fld id="{72957018-D432-EA46-BFF1-2153CC7DE60B}" type="datetimeFigureOut">
               <a:rPr lang="en-US" smtClean="0"/>
               <a:pPr/>
-              <a:t>3/19/2015</a:t>
+              <a:t>8/3/2015</a:t>
             </a:fld>
             <a:endParaRPr lang="en-US"/>
           </a:p>
@@ -1913,7 +1913,7 @@
             <a:fld id="{72957018-D432-EA46-BFF1-2153CC7DE60B}" type="datetimeFigureOut">
               <a:rPr lang="en-US" smtClean="0"/>
               <a:pPr/>
-              <a:t>3/19/2015</a:t>
+              <a:t>8/3/2015</a:t>
             </a:fld>
             <a:endParaRPr lang="en-US"/>
           </a:p>
@@ -2010,7 +2010,7 @@
             <a:fld id="{72957018-D432-EA46-BFF1-2153CC7DE60B}" type="datetimeFigureOut">
               <a:rPr lang="en-US" smtClean="0"/>
               <a:pPr/>
-              <a:t>3/19/2015</a:t>
+              <a:t>8/3/2015</a:t>
             </a:fld>
             <a:endParaRPr lang="en-US"/>
           </a:p>
@@ -2289,7 +2289,7 @@
             <a:fld id="{72957018-D432-EA46-BFF1-2153CC7DE60B}" type="datetimeFigureOut">
               <a:rPr lang="en-US" smtClean="0"/>
               <a:pPr/>
-              <a:t>3/19/2015</a:t>
+              <a:t>8/3/2015</a:t>
             </a:fld>
             <a:endParaRPr lang="en-US"/>
           </a:p>
@@ -2544,7 +2544,7 @@
             <a:fld id="{72957018-D432-EA46-BFF1-2153CC7DE60B}" type="datetimeFigureOut">
               <a:rPr lang="en-US" smtClean="0"/>
               <a:pPr/>
-              <a:t>3/19/2015</a:t>
+              <a:t>8/3/2015</a:t>
             </a:fld>
             <a:endParaRPr lang="en-US"/>
           </a:p>
@@ -2759,7 +2759,7 @@
             <a:fld id="{72957018-D432-EA46-BFF1-2153CC7DE60B}" type="datetimeFigureOut">
               <a:rPr lang="en-US" smtClean="0"/>
               <a:pPr/>
-              <a:t>3/19/2015</a:t>
+              <a:t>8/3/2015</a:t>
             </a:fld>
             <a:endParaRPr lang="en-US"/>
           </a:p>
@@ -8028,7 +8028,7 @@
             </a:r>
             <a:r>
               <a:rPr lang="en-US" sz="2400" smtClean="0"/>
-              <a:t>2.6.0 </a:t>
+              <a:t>2.7.0 </a:t>
             </a:r>
             <a:r>
               <a:rPr lang="en-US" sz="2400" dirty="0" smtClean="0"/>

--- a/Documentation/ProfilesRNS_DataFlowDiagram.pptx
+++ b/Documentation/ProfilesRNS_DataFlowDiagram.pptx
@@ -305,7 +305,7 @@
             <a:fld id="{72957018-D432-EA46-BFF1-2153CC7DE60B}" type="datetimeFigureOut">
               <a:rPr lang="en-US" smtClean="0"/>
               <a:pPr/>
-              <a:t>8/3/2015</a:t>
+              <a:t>4/19/2016</a:t>
             </a:fld>
             <a:endParaRPr lang="en-US"/>
           </a:p>
@@ -477,7 +477,7 @@
             <a:fld id="{72957018-D432-EA46-BFF1-2153CC7DE60B}" type="datetimeFigureOut">
               <a:rPr lang="en-US" smtClean="0"/>
               <a:pPr/>
-              <a:t>8/3/2015</a:t>
+              <a:t>4/19/2016</a:t>
             </a:fld>
             <a:endParaRPr lang="en-US"/>
           </a:p>
@@ -659,7 +659,7 @@
             <a:fld id="{72957018-D432-EA46-BFF1-2153CC7DE60B}" type="datetimeFigureOut">
               <a:rPr lang="en-US" smtClean="0"/>
               <a:pPr/>
-              <a:t>8/3/2015</a:t>
+              <a:t>4/19/2016</a:t>
             </a:fld>
             <a:endParaRPr lang="en-US"/>
           </a:p>
@@ -831,7 +831,7 @@
             <a:fld id="{72957018-D432-EA46-BFF1-2153CC7DE60B}" type="datetimeFigureOut">
               <a:rPr lang="en-US" smtClean="0"/>
               <a:pPr/>
-              <a:t>8/3/2015</a:t>
+              <a:t>4/19/2016</a:t>
             </a:fld>
             <a:endParaRPr lang="en-US"/>
           </a:p>
@@ -1079,7 +1079,7 @@
             <a:fld id="{72957018-D432-EA46-BFF1-2153CC7DE60B}" type="datetimeFigureOut">
               <a:rPr lang="en-US" smtClean="0"/>
               <a:pPr/>
-              <a:t>8/3/2015</a:t>
+              <a:t>4/19/2016</a:t>
             </a:fld>
             <a:endParaRPr lang="en-US"/>
           </a:p>
@@ -1369,7 +1369,7 @@
             <a:fld id="{72957018-D432-EA46-BFF1-2153CC7DE60B}" type="datetimeFigureOut">
               <a:rPr lang="en-US" smtClean="0"/>
               <a:pPr/>
-              <a:t>8/3/2015</a:t>
+              <a:t>4/19/2016</a:t>
             </a:fld>
             <a:endParaRPr lang="en-US"/>
           </a:p>
@@ -1793,7 +1793,7 @@
             <a:fld id="{72957018-D432-EA46-BFF1-2153CC7DE60B}" type="datetimeFigureOut">
               <a:rPr lang="en-US" smtClean="0"/>
               <a:pPr/>
-              <a:t>8/3/2015</a:t>
+              <a:t>4/19/2016</a:t>
             </a:fld>
             <a:endParaRPr lang="en-US"/>
           </a:p>
@@ -1913,7 +1913,7 @@
             <a:fld id="{72957018-D432-EA46-BFF1-2153CC7DE60B}" type="datetimeFigureOut">
               <a:rPr lang="en-US" smtClean="0"/>
               <a:pPr/>
-              <a:t>8/3/2015</a:t>
+              <a:t>4/19/2016</a:t>
             </a:fld>
             <a:endParaRPr lang="en-US"/>
           </a:p>
@@ -2010,7 +2010,7 @@
             <a:fld id="{72957018-D432-EA46-BFF1-2153CC7DE60B}" type="datetimeFigureOut">
               <a:rPr lang="en-US" smtClean="0"/>
               <a:pPr/>
-              <a:t>8/3/2015</a:t>
+              <a:t>4/19/2016</a:t>
             </a:fld>
             <a:endParaRPr lang="en-US"/>
           </a:p>
@@ -2289,7 +2289,7 @@
             <a:fld id="{72957018-D432-EA46-BFF1-2153CC7DE60B}" type="datetimeFigureOut">
               <a:rPr lang="en-US" smtClean="0"/>
               <a:pPr/>
-              <a:t>8/3/2015</a:t>
+              <a:t>4/19/2016</a:t>
             </a:fld>
             <a:endParaRPr lang="en-US"/>
           </a:p>
@@ -2544,7 +2544,7 @@
             <a:fld id="{72957018-D432-EA46-BFF1-2153CC7DE60B}" type="datetimeFigureOut">
               <a:rPr lang="en-US" smtClean="0"/>
               <a:pPr/>
-              <a:t>8/3/2015</a:t>
+              <a:t>4/19/2016</a:t>
             </a:fld>
             <a:endParaRPr lang="en-US"/>
           </a:p>
@@ -2759,7 +2759,7 @@
             <a:fld id="{72957018-D432-EA46-BFF1-2153CC7DE60B}" type="datetimeFigureOut">
               <a:rPr lang="en-US" smtClean="0"/>
               <a:pPr/>
-              <a:t>8/3/2015</a:t>
+              <a:t>4/19/2016</a:t>
             </a:fld>
             <a:endParaRPr lang="en-US"/>
           </a:p>
@@ -8028,7 +8028,7 @@
             </a:r>
             <a:r>
               <a:rPr lang="en-US" sz="2400" smtClean="0"/>
-              <a:t>2.7.0 </a:t>
+              <a:t>2.8.0 </a:t>
             </a:r>
             <a:r>
               <a:rPr lang="en-US" sz="2400" dirty="0" smtClean="0"/>

--- a/Documentation/ProfilesRNS_DataFlowDiagram.pptx
+++ b/Documentation/ProfilesRNS_DataFlowDiagram.pptx
@@ -305,7 +305,7 @@
             <a:fld id="{72957018-D432-EA46-BFF1-2153CC7DE60B}" type="datetimeFigureOut">
               <a:rPr lang="en-US" smtClean="0"/>
               <a:pPr/>
-              <a:t>4/19/2016</a:t>
+              <a:t>8/3/2016</a:t>
             </a:fld>
             <a:endParaRPr lang="en-US"/>
           </a:p>
@@ -477,7 +477,7 @@
             <a:fld id="{72957018-D432-EA46-BFF1-2153CC7DE60B}" type="datetimeFigureOut">
               <a:rPr lang="en-US" smtClean="0"/>
               <a:pPr/>
-              <a:t>4/19/2016</a:t>
+              <a:t>8/3/2016</a:t>
             </a:fld>
             <a:endParaRPr lang="en-US"/>
           </a:p>
@@ -659,7 +659,7 @@
             <a:fld id="{72957018-D432-EA46-BFF1-2153CC7DE60B}" type="datetimeFigureOut">
               <a:rPr lang="en-US" smtClean="0"/>
               <a:pPr/>
-              <a:t>4/19/2016</a:t>
+              <a:t>8/3/2016</a:t>
             </a:fld>
             <a:endParaRPr lang="en-US"/>
           </a:p>
@@ -831,7 +831,7 @@
             <a:fld id="{72957018-D432-EA46-BFF1-2153CC7DE60B}" type="datetimeFigureOut">
               <a:rPr lang="en-US" smtClean="0"/>
               <a:pPr/>
-              <a:t>4/19/2016</a:t>
+              <a:t>8/3/2016</a:t>
             </a:fld>
             <a:endParaRPr lang="en-US"/>
           </a:p>
@@ -1079,7 +1079,7 @@
             <a:fld id="{72957018-D432-EA46-BFF1-2153CC7DE60B}" type="datetimeFigureOut">
               <a:rPr lang="en-US" smtClean="0"/>
               <a:pPr/>
-              <a:t>4/19/2016</a:t>
+              <a:t>8/3/2016</a:t>
             </a:fld>
             <a:endParaRPr lang="en-US"/>
           </a:p>
@@ -1369,7 +1369,7 @@
             <a:fld id="{72957018-D432-EA46-BFF1-2153CC7DE60B}" type="datetimeFigureOut">
               <a:rPr lang="en-US" smtClean="0"/>
               <a:pPr/>
-              <a:t>4/19/2016</a:t>
+              <a:t>8/3/2016</a:t>
             </a:fld>
             <a:endParaRPr lang="en-US"/>
           </a:p>
@@ -1793,7 +1793,7 @@
             <a:fld id="{72957018-D432-EA46-BFF1-2153CC7DE60B}" type="datetimeFigureOut">
               <a:rPr lang="en-US" smtClean="0"/>
               <a:pPr/>
-              <a:t>4/19/2016</a:t>
+              <a:t>8/3/2016</a:t>
             </a:fld>
             <a:endParaRPr lang="en-US"/>
           </a:p>
@@ -1913,7 +1913,7 @@
             <a:fld id="{72957018-D432-EA46-BFF1-2153CC7DE60B}" type="datetimeFigureOut">
               <a:rPr lang="en-US" smtClean="0"/>
               <a:pPr/>
-              <a:t>4/19/2016</a:t>
+              <a:t>8/3/2016</a:t>
             </a:fld>
             <a:endParaRPr lang="en-US"/>
           </a:p>
@@ -2010,7 +2010,7 @@
             <a:fld id="{72957018-D432-EA46-BFF1-2153CC7DE60B}" type="datetimeFigureOut">
               <a:rPr lang="en-US" smtClean="0"/>
               <a:pPr/>
-              <a:t>4/19/2016</a:t>
+              <a:t>8/3/2016</a:t>
             </a:fld>
             <a:endParaRPr lang="en-US"/>
           </a:p>
@@ -2289,7 +2289,7 @@
             <a:fld id="{72957018-D432-EA46-BFF1-2153CC7DE60B}" type="datetimeFigureOut">
               <a:rPr lang="en-US" smtClean="0"/>
               <a:pPr/>
-              <a:t>4/19/2016</a:t>
+              <a:t>8/3/2016</a:t>
             </a:fld>
             <a:endParaRPr lang="en-US"/>
           </a:p>
@@ -2544,7 +2544,7 @@
             <a:fld id="{72957018-D432-EA46-BFF1-2153CC7DE60B}" type="datetimeFigureOut">
               <a:rPr lang="en-US" smtClean="0"/>
               <a:pPr/>
-              <a:t>4/19/2016</a:t>
+              <a:t>8/3/2016</a:t>
             </a:fld>
             <a:endParaRPr lang="en-US"/>
           </a:p>
@@ -2759,7 +2759,7 @@
             <a:fld id="{72957018-D432-EA46-BFF1-2153CC7DE60B}" type="datetimeFigureOut">
               <a:rPr lang="en-US" smtClean="0"/>
               <a:pPr/>
-              <a:t>4/19/2016</a:t>
+              <a:t>8/3/2016</a:t>
             </a:fld>
             <a:endParaRPr lang="en-US"/>
           </a:p>
@@ -8028,7 +8028,7 @@
             </a:r>
             <a:r>
               <a:rPr lang="en-US" sz="2400" smtClean="0"/>
-              <a:t>2.8.0 </a:t>
+              <a:t>2.9.0 </a:t>
             </a:r>
             <a:r>
               <a:rPr lang="en-US" sz="2400" dirty="0" smtClean="0"/>

--- a/Documentation/ProfilesRNS_DataFlowDiagram.pptx
+++ b/Documentation/ProfilesRNS_DataFlowDiagram.pptx
@@ -305,7 +305,7 @@
             <a:fld id="{72957018-D432-EA46-BFF1-2153CC7DE60B}" type="datetimeFigureOut">
               <a:rPr lang="en-US" smtClean="0"/>
               <a:pPr/>
-              <a:t>8/3/2016</a:t>
+              <a:t>8/10/2016</a:t>
             </a:fld>
             <a:endParaRPr lang="en-US"/>
           </a:p>
@@ -477,7 +477,7 @@
             <a:fld id="{72957018-D432-EA46-BFF1-2153CC7DE60B}" type="datetimeFigureOut">
               <a:rPr lang="en-US" smtClean="0"/>
               <a:pPr/>
-              <a:t>8/3/2016</a:t>
+              <a:t>8/10/2016</a:t>
             </a:fld>
             <a:endParaRPr lang="en-US"/>
           </a:p>
@@ -659,7 +659,7 @@
             <a:fld id="{72957018-D432-EA46-BFF1-2153CC7DE60B}" type="datetimeFigureOut">
               <a:rPr lang="en-US" smtClean="0"/>
               <a:pPr/>
-              <a:t>8/3/2016</a:t>
+              <a:t>8/10/2016</a:t>
             </a:fld>
             <a:endParaRPr lang="en-US"/>
           </a:p>
@@ -831,7 +831,7 @@
             <a:fld id="{72957018-D432-EA46-BFF1-2153CC7DE60B}" type="datetimeFigureOut">
               <a:rPr lang="en-US" smtClean="0"/>
               <a:pPr/>
-              <a:t>8/3/2016</a:t>
+              <a:t>8/10/2016</a:t>
             </a:fld>
             <a:endParaRPr lang="en-US"/>
           </a:p>
@@ -1079,7 +1079,7 @@
             <a:fld id="{72957018-D432-EA46-BFF1-2153CC7DE60B}" type="datetimeFigureOut">
               <a:rPr lang="en-US" smtClean="0"/>
               <a:pPr/>
-              <a:t>8/3/2016</a:t>
+              <a:t>8/10/2016</a:t>
             </a:fld>
             <a:endParaRPr lang="en-US"/>
           </a:p>
@@ -1369,7 +1369,7 @@
             <a:fld id="{72957018-D432-EA46-BFF1-2153CC7DE60B}" type="datetimeFigureOut">
               <a:rPr lang="en-US" smtClean="0"/>
               <a:pPr/>
-              <a:t>8/3/2016</a:t>
+              <a:t>8/10/2016</a:t>
             </a:fld>
             <a:endParaRPr lang="en-US"/>
           </a:p>
@@ -1793,7 +1793,7 @@
             <a:fld id="{72957018-D432-EA46-BFF1-2153CC7DE60B}" type="datetimeFigureOut">
               <a:rPr lang="en-US" smtClean="0"/>
               <a:pPr/>
-              <a:t>8/3/2016</a:t>
+              <a:t>8/10/2016</a:t>
             </a:fld>
             <a:endParaRPr lang="en-US"/>
           </a:p>
@@ -1913,7 +1913,7 @@
             <a:fld id="{72957018-D432-EA46-BFF1-2153CC7DE60B}" type="datetimeFigureOut">
               <a:rPr lang="en-US" smtClean="0"/>
               <a:pPr/>
-              <a:t>8/3/2016</a:t>
+              <a:t>8/10/2016</a:t>
             </a:fld>
             <a:endParaRPr lang="en-US"/>
           </a:p>
@@ -2010,7 +2010,7 @@
             <a:fld id="{72957018-D432-EA46-BFF1-2153CC7DE60B}" type="datetimeFigureOut">
               <a:rPr lang="en-US" smtClean="0"/>
               <a:pPr/>
-              <a:t>8/3/2016</a:t>
+              <a:t>8/10/2016</a:t>
             </a:fld>
             <a:endParaRPr lang="en-US"/>
           </a:p>
@@ -2289,7 +2289,7 @@
             <a:fld id="{72957018-D432-EA46-BFF1-2153CC7DE60B}" type="datetimeFigureOut">
               <a:rPr lang="en-US" smtClean="0"/>
               <a:pPr/>
-              <a:t>8/3/2016</a:t>
+              <a:t>8/10/2016</a:t>
             </a:fld>
             <a:endParaRPr lang="en-US"/>
           </a:p>
@@ -2544,7 +2544,7 @@
             <a:fld id="{72957018-D432-EA46-BFF1-2153CC7DE60B}" type="datetimeFigureOut">
               <a:rPr lang="en-US" smtClean="0"/>
               <a:pPr/>
-              <a:t>8/3/2016</a:t>
+              <a:t>8/10/2016</a:t>
             </a:fld>
             <a:endParaRPr lang="en-US"/>
           </a:p>
@@ -2759,7 +2759,7 @@
             <a:fld id="{72957018-D432-EA46-BFF1-2153CC7DE60B}" type="datetimeFigureOut">
               <a:rPr lang="en-US" smtClean="0"/>
               <a:pPr/>
-              <a:t>8/3/2016</a:t>
+              <a:t>8/10/2016</a:t>
             </a:fld>
             <a:endParaRPr lang="en-US"/>
           </a:p>
@@ -8024,11 +8024,7 @@
             </a:r>
             <a:r>
               <a:rPr lang="en-US" sz="2400" smtClean="0"/>
-              <a:t>RNS </a:t>
-            </a:r>
-            <a:r>
-              <a:rPr lang="en-US" sz="2400" smtClean="0"/>
-              <a:t>2.9.0 </a:t>
+              <a:t>RNS 2.9.0 </a:t>
             </a:r>
             <a:r>
               <a:rPr lang="en-US" sz="2400" dirty="0" smtClean="0"/>
@@ -8296,7 +8292,11 @@
             </a:r>
             <a:r>
               <a:rPr lang="en-US" sz="1300" smtClean="0"/>
-              <a:t>RNS 2.6</a:t>
+              <a:t>RNS </a:t>
+            </a:r>
+            <a:r>
+              <a:rPr lang="en-US" sz="1300" smtClean="0"/>
+              <a:t>2.9.0</a:t>
             </a:r>
             <a:endParaRPr lang="en-US" sz="1300" dirty="0"/>
           </a:p>

--- a/Documentation/ProfilesRNS_DataFlowDiagram.pptx
+++ b/Documentation/ProfilesRNS_DataFlowDiagram.pptx
@@ -305,7 +305,7 @@
             <a:fld id="{72957018-D432-EA46-BFF1-2153CC7DE60B}" type="datetimeFigureOut">
               <a:rPr lang="en-US" smtClean="0"/>
               <a:pPr/>
-              <a:t>8/10/2016</a:t>
+              <a:t>12/9/2016</a:t>
             </a:fld>
             <a:endParaRPr lang="en-US"/>
           </a:p>
@@ -477,7 +477,7 @@
             <a:fld id="{72957018-D432-EA46-BFF1-2153CC7DE60B}" type="datetimeFigureOut">
               <a:rPr lang="en-US" smtClean="0"/>
               <a:pPr/>
-              <a:t>8/10/2016</a:t>
+              <a:t>12/9/2016</a:t>
             </a:fld>
             <a:endParaRPr lang="en-US"/>
           </a:p>
@@ -659,7 +659,7 @@
             <a:fld id="{72957018-D432-EA46-BFF1-2153CC7DE60B}" type="datetimeFigureOut">
               <a:rPr lang="en-US" smtClean="0"/>
               <a:pPr/>
-              <a:t>8/10/2016</a:t>
+              <a:t>12/9/2016</a:t>
             </a:fld>
             <a:endParaRPr lang="en-US"/>
           </a:p>
@@ -831,7 +831,7 @@
             <a:fld id="{72957018-D432-EA46-BFF1-2153CC7DE60B}" type="datetimeFigureOut">
               <a:rPr lang="en-US" smtClean="0"/>
               <a:pPr/>
-              <a:t>8/10/2016</a:t>
+              <a:t>12/9/2016</a:t>
             </a:fld>
             <a:endParaRPr lang="en-US"/>
           </a:p>
@@ -1079,7 +1079,7 @@
             <a:fld id="{72957018-D432-EA46-BFF1-2153CC7DE60B}" type="datetimeFigureOut">
               <a:rPr lang="en-US" smtClean="0"/>
               <a:pPr/>
-              <a:t>8/10/2016</a:t>
+              <a:t>12/9/2016</a:t>
             </a:fld>
             <a:endParaRPr lang="en-US"/>
           </a:p>
@@ -1369,7 +1369,7 @@
             <a:fld id="{72957018-D432-EA46-BFF1-2153CC7DE60B}" type="datetimeFigureOut">
               <a:rPr lang="en-US" smtClean="0"/>
               <a:pPr/>
-              <a:t>8/10/2016</a:t>
+              <a:t>12/9/2016</a:t>
             </a:fld>
             <a:endParaRPr lang="en-US"/>
           </a:p>
@@ -1793,7 +1793,7 @@
             <a:fld id="{72957018-D432-EA46-BFF1-2153CC7DE60B}" type="datetimeFigureOut">
               <a:rPr lang="en-US" smtClean="0"/>
               <a:pPr/>
-              <a:t>8/10/2016</a:t>
+              <a:t>12/9/2016</a:t>
             </a:fld>
             <a:endParaRPr lang="en-US"/>
           </a:p>
@@ -1913,7 +1913,7 @@
             <a:fld id="{72957018-D432-EA46-BFF1-2153CC7DE60B}" type="datetimeFigureOut">
               <a:rPr lang="en-US" smtClean="0"/>
               <a:pPr/>
-              <a:t>8/10/2016</a:t>
+              <a:t>12/9/2016</a:t>
             </a:fld>
             <a:endParaRPr lang="en-US"/>
           </a:p>
@@ -2010,7 +2010,7 @@
             <a:fld id="{72957018-D432-EA46-BFF1-2153CC7DE60B}" type="datetimeFigureOut">
               <a:rPr lang="en-US" smtClean="0"/>
               <a:pPr/>
-              <a:t>8/10/2016</a:t>
+              <a:t>12/9/2016</a:t>
             </a:fld>
             <a:endParaRPr lang="en-US"/>
           </a:p>
@@ -2289,7 +2289,7 @@
             <a:fld id="{72957018-D432-EA46-BFF1-2153CC7DE60B}" type="datetimeFigureOut">
               <a:rPr lang="en-US" smtClean="0"/>
               <a:pPr/>
-              <a:t>8/10/2016</a:t>
+              <a:t>12/9/2016</a:t>
             </a:fld>
             <a:endParaRPr lang="en-US"/>
           </a:p>
@@ -2544,7 +2544,7 @@
             <a:fld id="{72957018-D432-EA46-BFF1-2153CC7DE60B}" type="datetimeFigureOut">
               <a:rPr lang="en-US" smtClean="0"/>
               <a:pPr/>
-              <a:t>8/10/2016</a:t>
+              <a:t>12/9/2016</a:t>
             </a:fld>
             <a:endParaRPr lang="en-US"/>
           </a:p>
@@ -2759,7 +2759,7 @@
             <a:fld id="{72957018-D432-EA46-BFF1-2153CC7DE60B}" type="datetimeFigureOut">
               <a:rPr lang="en-US" smtClean="0"/>
               <a:pPr/>
-              <a:t>8/10/2016</a:t>
+              <a:t>12/9/2016</a:t>
             </a:fld>
             <a:endParaRPr lang="en-US"/>
           </a:p>
@@ -8020,11 +8020,11 @@
             <a:pPr algn="ctr"/>
             <a:r>
               <a:rPr lang="en-US" sz="2400" dirty="0" smtClean="0"/>
-              <a:t>Profiles </a:t>
-            </a:r>
-            <a:r>
-              <a:rPr lang="en-US" sz="2400" smtClean="0"/>
-              <a:t>RNS 2.9.0 </a:t>
+              <a:t>Profiles RNS </a:t>
+            </a:r>
+            <a:r>
+              <a:rPr lang="en-US" sz="2400" dirty="0" smtClean="0"/>
+              <a:t>2.10.0 </a:t>
             </a:r>
             <a:r>
               <a:rPr lang="en-US" sz="2400" dirty="0" smtClean="0"/>
@@ -8296,7 +8296,7 @@
             </a:r>
             <a:r>
               <a:rPr lang="en-US" sz="1300" smtClean="0"/>
-              <a:t>2.9.0</a:t>
+              <a:t>2.10.0</a:t>
             </a:r>
             <a:endParaRPr lang="en-US" sz="1300" dirty="0"/>
           </a:p>

--- a/Documentation/ProfilesRNS_DataFlowDiagram.pptx
+++ b/Documentation/ProfilesRNS_DataFlowDiagram.pptx
@@ -305,7 +305,7 @@
             <a:fld id="{72957018-D432-EA46-BFF1-2153CC7DE60B}" type="datetimeFigureOut">
               <a:rPr lang="en-US" smtClean="0"/>
               <a:pPr/>
-              <a:t>12/9/2016</a:t>
+              <a:t>3/20/2017</a:t>
             </a:fld>
             <a:endParaRPr lang="en-US"/>
           </a:p>
@@ -477,7 +477,7 @@
             <a:fld id="{72957018-D432-EA46-BFF1-2153CC7DE60B}" type="datetimeFigureOut">
               <a:rPr lang="en-US" smtClean="0"/>
               <a:pPr/>
-              <a:t>12/9/2016</a:t>
+              <a:t>3/20/2017</a:t>
             </a:fld>
             <a:endParaRPr lang="en-US"/>
           </a:p>
@@ -659,7 +659,7 @@
             <a:fld id="{72957018-D432-EA46-BFF1-2153CC7DE60B}" type="datetimeFigureOut">
               <a:rPr lang="en-US" smtClean="0"/>
               <a:pPr/>
-              <a:t>12/9/2016</a:t>
+              <a:t>3/20/2017</a:t>
             </a:fld>
             <a:endParaRPr lang="en-US"/>
           </a:p>
@@ -831,7 +831,7 @@
             <a:fld id="{72957018-D432-EA46-BFF1-2153CC7DE60B}" type="datetimeFigureOut">
               <a:rPr lang="en-US" smtClean="0"/>
               <a:pPr/>
-              <a:t>12/9/2016</a:t>
+              <a:t>3/20/2017</a:t>
             </a:fld>
             <a:endParaRPr lang="en-US"/>
           </a:p>
@@ -1079,7 +1079,7 @@
             <a:fld id="{72957018-D432-EA46-BFF1-2153CC7DE60B}" type="datetimeFigureOut">
               <a:rPr lang="en-US" smtClean="0"/>
               <a:pPr/>
-              <a:t>12/9/2016</a:t>
+              <a:t>3/20/2017</a:t>
             </a:fld>
             <a:endParaRPr lang="en-US"/>
           </a:p>
@@ -1369,7 +1369,7 @@
             <a:fld id="{72957018-D432-EA46-BFF1-2153CC7DE60B}" type="datetimeFigureOut">
               <a:rPr lang="en-US" smtClean="0"/>
               <a:pPr/>
-              <a:t>12/9/2016</a:t>
+              <a:t>3/20/2017</a:t>
             </a:fld>
             <a:endParaRPr lang="en-US"/>
           </a:p>
@@ -1793,7 +1793,7 @@
             <a:fld id="{72957018-D432-EA46-BFF1-2153CC7DE60B}" type="datetimeFigureOut">
               <a:rPr lang="en-US" smtClean="0"/>
               <a:pPr/>
-              <a:t>12/9/2016</a:t>
+              <a:t>3/20/2017</a:t>
             </a:fld>
             <a:endParaRPr lang="en-US"/>
           </a:p>
@@ -1913,7 +1913,7 @@
             <a:fld id="{72957018-D432-EA46-BFF1-2153CC7DE60B}" type="datetimeFigureOut">
               <a:rPr lang="en-US" smtClean="0"/>
               <a:pPr/>
-              <a:t>12/9/2016</a:t>
+              <a:t>3/20/2017</a:t>
             </a:fld>
             <a:endParaRPr lang="en-US"/>
           </a:p>
@@ -2010,7 +2010,7 @@
             <a:fld id="{72957018-D432-EA46-BFF1-2153CC7DE60B}" type="datetimeFigureOut">
               <a:rPr lang="en-US" smtClean="0"/>
               <a:pPr/>
-              <a:t>12/9/2016</a:t>
+              <a:t>3/20/2017</a:t>
             </a:fld>
             <a:endParaRPr lang="en-US"/>
           </a:p>
@@ -2289,7 +2289,7 @@
             <a:fld id="{72957018-D432-EA46-BFF1-2153CC7DE60B}" type="datetimeFigureOut">
               <a:rPr lang="en-US" smtClean="0"/>
               <a:pPr/>
-              <a:t>12/9/2016</a:t>
+              <a:t>3/20/2017</a:t>
             </a:fld>
             <a:endParaRPr lang="en-US"/>
           </a:p>
@@ -2544,7 +2544,7 @@
             <a:fld id="{72957018-D432-EA46-BFF1-2153CC7DE60B}" type="datetimeFigureOut">
               <a:rPr lang="en-US" smtClean="0"/>
               <a:pPr/>
-              <a:t>12/9/2016</a:t>
+              <a:t>3/20/2017</a:t>
             </a:fld>
             <a:endParaRPr lang="en-US"/>
           </a:p>
@@ -2759,7 +2759,7 @@
             <a:fld id="{72957018-D432-EA46-BFF1-2153CC7DE60B}" type="datetimeFigureOut">
               <a:rPr lang="en-US" smtClean="0"/>
               <a:pPr/>
-              <a:t>12/9/2016</a:t>
+              <a:t>3/20/2017</a:t>
             </a:fld>
             <a:endParaRPr lang="en-US"/>
           </a:p>
@@ -8020,11 +8020,15 @@
             <a:pPr algn="ctr"/>
             <a:r>
               <a:rPr lang="en-US" sz="2400" dirty="0" smtClean="0"/>
-              <a:t>Profiles RNS </a:t>
-            </a:r>
-            <a:r>
-              <a:rPr lang="en-US" sz="2400" dirty="0" smtClean="0"/>
-              <a:t>2.10.0 </a:t>
+              <a:t>Profiles </a:t>
+            </a:r>
+            <a:r>
+              <a:rPr lang="en-US" sz="2400" smtClean="0"/>
+              <a:t>RNS </a:t>
+            </a:r>
+            <a:r>
+              <a:rPr lang="en-US" sz="2400" smtClean="0"/>
+              <a:t>2.10.1 </a:t>
             </a:r>
             <a:r>
               <a:rPr lang="en-US" sz="2400" dirty="0" smtClean="0"/>
@@ -8292,11 +8296,7 @@
             </a:r>
             <a:r>
               <a:rPr lang="en-US" sz="1300" smtClean="0"/>
-              <a:t>RNS </a:t>
-            </a:r>
-            <a:r>
-              <a:rPr lang="en-US" sz="1300" smtClean="0"/>
-              <a:t>2.10.0</a:t>
+              <a:t>RNS 2.10.0</a:t>
             </a:r>
             <a:endParaRPr lang="en-US" sz="1300" dirty="0"/>
           </a:p>

--- a/Documentation/ProfilesRNS_DataFlowDiagram.pptx
+++ b/Documentation/ProfilesRNS_DataFlowDiagram.pptx
@@ -305,7 +305,7 @@
             <a:fld id="{72957018-D432-EA46-BFF1-2153CC7DE60B}" type="datetimeFigureOut">
               <a:rPr lang="en-US" smtClean="0"/>
               <a:pPr/>
-              <a:t>3/20/2017</a:t>
+              <a:t>1/30/2018</a:t>
             </a:fld>
             <a:endParaRPr lang="en-US"/>
           </a:p>
@@ -477,7 +477,7 @@
             <a:fld id="{72957018-D432-EA46-BFF1-2153CC7DE60B}" type="datetimeFigureOut">
               <a:rPr lang="en-US" smtClean="0"/>
               <a:pPr/>
-              <a:t>3/20/2017</a:t>
+              <a:t>1/30/2018</a:t>
             </a:fld>
             <a:endParaRPr lang="en-US"/>
           </a:p>
@@ -659,7 +659,7 @@
             <a:fld id="{72957018-D432-EA46-BFF1-2153CC7DE60B}" type="datetimeFigureOut">
               <a:rPr lang="en-US" smtClean="0"/>
               <a:pPr/>
-              <a:t>3/20/2017</a:t>
+              <a:t>1/30/2018</a:t>
             </a:fld>
             <a:endParaRPr lang="en-US"/>
           </a:p>
@@ -831,7 +831,7 @@
             <a:fld id="{72957018-D432-EA46-BFF1-2153CC7DE60B}" type="datetimeFigureOut">
               <a:rPr lang="en-US" smtClean="0"/>
               <a:pPr/>
-              <a:t>3/20/2017</a:t>
+              <a:t>1/30/2018</a:t>
             </a:fld>
             <a:endParaRPr lang="en-US"/>
           </a:p>
@@ -1079,7 +1079,7 @@
             <a:fld id="{72957018-D432-EA46-BFF1-2153CC7DE60B}" type="datetimeFigureOut">
               <a:rPr lang="en-US" smtClean="0"/>
               <a:pPr/>
-              <a:t>3/20/2017</a:t>
+              <a:t>1/30/2018</a:t>
             </a:fld>
             <a:endParaRPr lang="en-US"/>
           </a:p>
@@ -1369,7 +1369,7 @@
             <a:fld id="{72957018-D432-EA46-BFF1-2153CC7DE60B}" type="datetimeFigureOut">
               <a:rPr lang="en-US" smtClean="0"/>
               <a:pPr/>
-              <a:t>3/20/2017</a:t>
+              <a:t>1/30/2018</a:t>
             </a:fld>
             <a:endParaRPr lang="en-US"/>
           </a:p>
@@ -1793,7 +1793,7 @@
             <a:fld id="{72957018-D432-EA46-BFF1-2153CC7DE60B}" type="datetimeFigureOut">
               <a:rPr lang="en-US" smtClean="0"/>
               <a:pPr/>
-              <a:t>3/20/2017</a:t>
+              <a:t>1/30/2018</a:t>
             </a:fld>
             <a:endParaRPr lang="en-US"/>
           </a:p>
@@ -1913,7 +1913,7 @@
             <a:fld id="{72957018-D432-EA46-BFF1-2153CC7DE60B}" type="datetimeFigureOut">
               <a:rPr lang="en-US" smtClean="0"/>
               <a:pPr/>
-              <a:t>3/20/2017</a:t>
+              <a:t>1/30/2018</a:t>
             </a:fld>
             <a:endParaRPr lang="en-US"/>
           </a:p>
@@ -2010,7 +2010,7 @@
             <a:fld id="{72957018-D432-EA46-BFF1-2153CC7DE60B}" type="datetimeFigureOut">
               <a:rPr lang="en-US" smtClean="0"/>
               <a:pPr/>
-              <a:t>3/20/2017</a:t>
+              <a:t>1/30/2018</a:t>
             </a:fld>
             <a:endParaRPr lang="en-US"/>
           </a:p>
@@ -2289,7 +2289,7 @@
             <a:fld id="{72957018-D432-EA46-BFF1-2153CC7DE60B}" type="datetimeFigureOut">
               <a:rPr lang="en-US" smtClean="0"/>
               <a:pPr/>
-              <a:t>3/20/2017</a:t>
+              <a:t>1/30/2018</a:t>
             </a:fld>
             <a:endParaRPr lang="en-US"/>
           </a:p>
@@ -2544,7 +2544,7 @@
             <a:fld id="{72957018-D432-EA46-BFF1-2153CC7DE60B}" type="datetimeFigureOut">
               <a:rPr lang="en-US" smtClean="0"/>
               <a:pPr/>
-              <a:t>3/20/2017</a:t>
+              <a:t>1/30/2018</a:t>
             </a:fld>
             <a:endParaRPr lang="en-US"/>
           </a:p>
@@ -2759,7 +2759,7 @@
             <a:fld id="{72957018-D432-EA46-BFF1-2153CC7DE60B}" type="datetimeFigureOut">
               <a:rPr lang="en-US" smtClean="0"/>
               <a:pPr/>
-              <a:t>3/20/2017</a:t>
+              <a:t>1/30/2018</a:t>
             </a:fld>
             <a:endParaRPr lang="en-US"/>
           </a:p>
@@ -8024,11 +8024,7 @@
             </a:r>
             <a:r>
               <a:rPr lang="en-US" sz="2400" smtClean="0"/>
-              <a:t>RNS </a:t>
-            </a:r>
-            <a:r>
-              <a:rPr lang="en-US" sz="2400" smtClean="0"/>
-              <a:t>2.10.1 </a:t>
+              <a:t>RNS 2.11.0 </a:t>
             </a:r>
             <a:r>
               <a:rPr lang="en-US" sz="2400" dirty="0" smtClean="0"/>
@@ -8296,7 +8292,11 @@
             </a:r>
             <a:r>
               <a:rPr lang="en-US" sz="1300" smtClean="0"/>
-              <a:t>RNS 2.10.0</a:t>
+              <a:t>RNS </a:t>
+            </a:r>
+            <a:r>
+              <a:rPr lang="en-US" sz="1300" smtClean="0"/>
+              <a:t>2.11.0</a:t>
             </a:r>
             <a:endParaRPr lang="en-US" sz="1300" dirty="0"/>
           </a:p>

--- a/Documentation/ProfilesRNS_DataFlowDiagram.pptx
+++ b/Documentation/ProfilesRNS_DataFlowDiagram.pptx
@@ -123,6 +123,10 @@
 </p:presentation>
 </file>
 
+<file path=ppt/revisionInfo.xml><?xml version="1.0" encoding="utf-8"?>
+<p1510:revInfo xmlns:a="http://schemas.openxmlformats.org/drawingml/2006/main" xmlns:r="http://schemas.openxmlformats.org/officeDocument/2006/relationships" xmlns:p1510="http://schemas.microsoft.com/office/powerpoint/2015/10/main"/>
+</file>
+
 <file path=ppt/slideLayouts/slideLayout1.xml><?xml version="1.0" encoding="utf-8"?>
 <p:sldLayout xmlns:a="http://schemas.openxmlformats.org/drawingml/2006/main" xmlns:r="http://schemas.openxmlformats.org/officeDocument/2006/relationships" xmlns:p="http://schemas.openxmlformats.org/presentationml/2006/main" type="title" preserve="1">
   <p:cSld name="Title Slide">
@@ -161,10 +165,9 @@
           <a:lstStyle/>
           <a:p>
             <a:r>
-              <a:rPr lang="en-US" smtClean="0"/>
+              <a:rPr lang="en-US"/>
               <a:t>Click to edit Master title style</a:t>
             </a:r>
-            <a:endParaRPr lang="en-US"/>
           </a:p>
         </p:txBody>
       </p:sp>
@@ -280,10 +283,9 @@
           </a:lstStyle>
           <a:p>
             <a:r>
-              <a:rPr lang="en-US" smtClean="0"/>
+              <a:rPr lang="en-US"/>
               <a:t>Click to edit Master subtitle style</a:t>
             </a:r>
-            <a:endParaRPr lang="en-US"/>
           </a:p>
         </p:txBody>
       </p:sp>
@@ -305,7 +307,7 @@
             <a:fld id="{72957018-D432-EA46-BFF1-2153CC7DE60B}" type="datetimeFigureOut">
               <a:rPr lang="en-US" smtClean="0"/>
               <a:pPr/>
-              <a:t>1/30/2018</a:t>
+              <a:t>5/29/2018</a:t>
             </a:fld>
             <a:endParaRPr lang="en-US"/>
           </a:p>
@@ -400,10 +402,9 @@
           <a:lstStyle/>
           <a:p>
             <a:r>
-              <a:rPr lang="en-US" smtClean="0"/>
+              <a:rPr lang="en-US"/>
               <a:t>Click to edit Master title style</a:t>
             </a:r>
-            <a:endParaRPr lang="en-US"/>
           </a:p>
         </p:txBody>
       </p:sp>
@@ -424,38 +425,37 @@
           <a:p>
             <a:pPr lvl="0"/>
             <a:r>
-              <a:rPr lang="en-US" smtClean="0"/>
+              <a:rPr lang="en-US"/>
               <a:t>Click to edit Master text styles</a:t>
             </a:r>
           </a:p>
           <a:p>
             <a:pPr lvl="1"/>
             <a:r>
-              <a:rPr lang="en-US" smtClean="0"/>
+              <a:rPr lang="en-US"/>
               <a:t>Second level</a:t>
             </a:r>
           </a:p>
           <a:p>
             <a:pPr lvl="2"/>
             <a:r>
-              <a:rPr lang="en-US" smtClean="0"/>
+              <a:rPr lang="en-US"/>
               <a:t>Third level</a:t>
             </a:r>
           </a:p>
           <a:p>
             <a:pPr lvl="3"/>
             <a:r>
-              <a:rPr lang="en-US" smtClean="0"/>
+              <a:rPr lang="en-US"/>
               <a:t>Fourth level</a:t>
             </a:r>
           </a:p>
           <a:p>
             <a:pPr lvl="4"/>
             <a:r>
-              <a:rPr lang="en-US" smtClean="0"/>
+              <a:rPr lang="en-US"/>
               <a:t>Fifth level</a:t>
             </a:r>
-            <a:endParaRPr lang="en-US"/>
           </a:p>
         </p:txBody>
       </p:sp>
@@ -477,7 +477,7 @@
             <a:fld id="{72957018-D432-EA46-BFF1-2153CC7DE60B}" type="datetimeFigureOut">
               <a:rPr lang="en-US" smtClean="0"/>
               <a:pPr/>
-              <a:t>1/30/2018</a:t>
+              <a:t>5/29/2018</a:t>
             </a:fld>
             <a:endParaRPr lang="en-US"/>
           </a:p>
@@ -577,10 +577,9 @@
           <a:lstStyle/>
           <a:p>
             <a:r>
-              <a:rPr lang="en-US" smtClean="0"/>
+              <a:rPr lang="en-US"/>
               <a:t>Click to edit Master title style</a:t>
             </a:r>
-            <a:endParaRPr lang="en-US"/>
           </a:p>
         </p:txBody>
       </p:sp>
@@ -606,38 +605,37 @@
           <a:p>
             <a:pPr lvl="0"/>
             <a:r>
-              <a:rPr lang="en-US" smtClean="0"/>
+              <a:rPr lang="en-US"/>
               <a:t>Click to edit Master text styles</a:t>
             </a:r>
           </a:p>
           <a:p>
             <a:pPr lvl="1"/>
             <a:r>
-              <a:rPr lang="en-US" smtClean="0"/>
+              <a:rPr lang="en-US"/>
               <a:t>Second level</a:t>
             </a:r>
           </a:p>
           <a:p>
             <a:pPr lvl="2"/>
             <a:r>
-              <a:rPr lang="en-US" smtClean="0"/>
+              <a:rPr lang="en-US"/>
               <a:t>Third level</a:t>
             </a:r>
           </a:p>
           <a:p>
             <a:pPr lvl="3"/>
             <a:r>
-              <a:rPr lang="en-US" smtClean="0"/>
+              <a:rPr lang="en-US"/>
               <a:t>Fourth level</a:t>
             </a:r>
           </a:p>
           <a:p>
             <a:pPr lvl="4"/>
             <a:r>
-              <a:rPr lang="en-US" smtClean="0"/>
+              <a:rPr lang="en-US"/>
               <a:t>Fifth level</a:t>
             </a:r>
-            <a:endParaRPr lang="en-US"/>
           </a:p>
         </p:txBody>
       </p:sp>
@@ -659,7 +657,7 @@
             <a:fld id="{72957018-D432-EA46-BFF1-2153CC7DE60B}" type="datetimeFigureOut">
               <a:rPr lang="en-US" smtClean="0"/>
               <a:pPr/>
-              <a:t>1/30/2018</a:t>
+              <a:t>5/29/2018</a:t>
             </a:fld>
             <a:endParaRPr lang="en-US"/>
           </a:p>
@@ -754,10 +752,9 @@
           <a:lstStyle/>
           <a:p>
             <a:r>
-              <a:rPr lang="en-US" smtClean="0"/>
+              <a:rPr lang="en-US"/>
               <a:t>Click to edit Master title style</a:t>
             </a:r>
-            <a:endParaRPr lang="en-US"/>
           </a:p>
         </p:txBody>
       </p:sp>
@@ -778,38 +775,37 @@
           <a:p>
             <a:pPr lvl="0"/>
             <a:r>
-              <a:rPr lang="en-US" smtClean="0"/>
+              <a:rPr lang="en-US"/>
               <a:t>Click to edit Master text styles</a:t>
             </a:r>
           </a:p>
           <a:p>
             <a:pPr lvl="1"/>
             <a:r>
-              <a:rPr lang="en-US" smtClean="0"/>
+              <a:rPr lang="en-US"/>
               <a:t>Second level</a:t>
             </a:r>
           </a:p>
           <a:p>
             <a:pPr lvl="2"/>
             <a:r>
-              <a:rPr lang="en-US" smtClean="0"/>
+              <a:rPr lang="en-US"/>
               <a:t>Third level</a:t>
             </a:r>
           </a:p>
           <a:p>
             <a:pPr lvl="3"/>
             <a:r>
-              <a:rPr lang="en-US" smtClean="0"/>
+              <a:rPr lang="en-US"/>
               <a:t>Fourth level</a:t>
             </a:r>
           </a:p>
           <a:p>
             <a:pPr lvl="4"/>
             <a:r>
-              <a:rPr lang="en-US" smtClean="0"/>
+              <a:rPr lang="en-US"/>
               <a:t>Fifth level</a:t>
             </a:r>
-            <a:endParaRPr lang="en-US"/>
           </a:p>
         </p:txBody>
       </p:sp>
@@ -831,7 +827,7 @@
             <a:fld id="{72957018-D432-EA46-BFF1-2153CC7DE60B}" type="datetimeFigureOut">
               <a:rPr lang="en-US" smtClean="0"/>
               <a:pPr/>
-              <a:t>1/30/2018</a:t>
+              <a:t>5/29/2018</a:t>
             </a:fld>
             <a:endParaRPr lang="en-US"/>
           </a:p>
@@ -935,10 +931,9 @@
           </a:lstStyle>
           <a:p>
             <a:r>
-              <a:rPr lang="en-US" smtClean="0"/>
+              <a:rPr lang="en-US"/>
               <a:t>Click to edit Master title style</a:t>
             </a:r>
-            <a:endParaRPr lang="en-US"/>
           </a:p>
         </p:txBody>
       </p:sp>
@@ -1055,7 +1050,7 @@
           <a:p>
             <a:pPr lvl="0"/>
             <a:r>
-              <a:rPr lang="en-US" smtClean="0"/>
+              <a:rPr lang="en-US"/>
               <a:t>Click to edit Master text styles</a:t>
             </a:r>
           </a:p>
@@ -1079,7 +1074,7 @@
             <a:fld id="{72957018-D432-EA46-BFF1-2153CC7DE60B}" type="datetimeFigureOut">
               <a:rPr lang="en-US" smtClean="0"/>
               <a:pPr/>
-              <a:t>1/30/2018</a:t>
+              <a:t>5/29/2018</a:t>
             </a:fld>
             <a:endParaRPr lang="en-US"/>
           </a:p>
@@ -1174,10 +1169,9 @@
           <a:lstStyle/>
           <a:p>
             <a:r>
-              <a:rPr lang="en-US" smtClean="0"/>
+              <a:rPr lang="en-US"/>
               <a:t>Click to edit Master title style</a:t>
             </a:r>
-            <a:endParaRPr lang="en-US"/>
           </a:p>
         </p:txBody>
       </p:sp>
@@ -1231,38 +1225,37 @@
           <a:p>
             <a:pPr lvl="0"/>
             <a:r>
-              <a:rPr lang="en-US" smtClean="0"/>
+              <a:rPr lang="en-US"/>
               <a:t>Click to edit Master text styles</a:t>
             </a:r>
           </a:p>
           <a:p>
             <a:pPr lvl="1"/>
             <a:r>
-              <a:rPr lang="en-US" smtClean="0"/>
+              <a:rPr lang="en-US"/>
               <a:t>Second level</a:t>
             </a:r>
           </a:p>
           <a:p>
             <a:pPr lvl="2"/>
             <a:r>
-              <a:rPr lang="en-US" smtClean="0"/>
+              <a:rPr lang="en-US"/>
               <a:t>Third level</a:t>
             </a:r>
           </a:p>
           <a:p>
             <a:pPr lvl="3"/>
             <a:r>
-              <a:rPr lang="en-US" smtClean="0"/>
+              <a:rPr lang="en-US"/>
               <a:t>Fourth level</a:t>
             </a:r>
           </a:p>
           <a:p>
             <a:pPr lvl="4"/>
             <a:r>
-              <a:rPr lang="en-US" smtClean="0"/>
+              <a:rPr lang="en-US"/>
               <a:t>Fifth level</a:t>
             </a:r>
-            <a:endParaRPr lang="en-US"/>
           </a:p>
         </p:txBody>
       </p:sp>
@@ -1316,38 +1309,37 @@
           <a:p>
             <a:pPr lvl="0"/>
             <a:r>
-              <a:rPr lang="en-US" smtClean="0"/>
+              <a:rPr lang="en-US"/>
               <a:t>Click to edit Master text styles</a:t>
             </a:r>
           </a:p>
           <a:p>
             <a:pPr lvl="1"/>
             <a:r>
-              <a:rPr lang="en-US" smtClean="0"/>
+              <a:rPr lang="en-US"/>
               <a:t>Second level</a:t>
             </a:r>
           </a:p>
           <a:p>
             <a:pPr lvl="2"/>
             <a:r>
-              <a:rPr lang="en-US" smtClean="0"/>
+              <a:rPr lang="en-US"/>
               <a:t>Third level</a:t>
             </a:r>
           </a:p>
           <a:p>
             <a:pPr lvl="3"/>
             <a:r>
-              <a:rPr lang="en-US" smtClean="0"/>
+              <a:rPr lang="en-US"/>
               <a:t>Fourth level</a:t>
             </a:r>
           </a:p>
           <a:p>
             <a:pPr lvl="4"/>
             <a:r>
-              <a:rPr lang="en-US" smtClean="0"/>
+              <a:rPr lang="en-US"/>
               <a:t>Fifth level</a:t>
             </a:r>
-            <a:endParaRPr lang="en-US"/>
           </a:p>
         </p:txBody>
       </p:sp>
@@ -1369,7 +1361,7 @@
             <a:fld id="{72957018-D432-EA46-BFF1-2153CC7DE60B}" type="datetimeFigureOut">
               <a:rPr lang="en-US" smtClean="0"/>
               <a:pPr/>
-              <a:t>1/30/2018</a:t>
+              <a:t>5/29/2018</a:t>
             </a:fld>
             <a:endParaRPr lang="en-US"/>
           </a:p>
@@ -1468,10 +1460,9 @@
           </a:lstStyle>
           <a:p>
             <a:r>
-              <a:rPr lang="en-US" smtClean="0"/>
+              <a:rPr lang="en-US"/>
               <a:t>Click to edit Master title style</a:t>
             </a:r>
-            <a:endParaRPr lang="en-US"/>
           </a:p>
         </p:txBody>
       </p:sp>
@@ -1534,7 +1525,7 @@
           <a:p>
             <a:pPr lvl="0"/>
             <a:r>
-              <a:rPr lang="en-US" smtClean="0"/>
+              <a:rPr lang="en-US"/>
               <a:t>Click to edit Master text styles</a:t>
             </a:r>
           </a:p>
@@ -1590,38 +1581,37 @@
           <a:p>
             <a:pPr lvl="0"/>
             <a:r>
-              <a:rPr lang="en-US" smtClean="0"/>
+              <a:rPr lang="en-US"/>
               <a:t>Click to edit Master text styles</a:t>
             </a:r>
           </a:p>
           <a:p>
             <a:pPr lvl="1"/>
             <a:r>
-              <a:rPr lang="en-US" smtClean="0"/>
+              <a:rPr lang="en-US"/>
               <a:t>Second level</a:t>
             </a:r>
           </a:p>
           <a:p>
             <a:pPr lvl="2"/>
             <a:r>
-              <a:rPr lang="en-US" smtClean="0"/>
+              <a:rPr lang="en-US"/>
               <a:t>Third level</a:t>
             </a:r>
           </a:p>
           <a:p>
             <a:pPr lvl="3"/>
             <a:r>
-              <a:rPr lang="en-US" smtClean="0"/>
+              <a:rPr lang="en-US"/>
               <a:t>Fourth level</a:t>
             </a:r>
           </a:p>
           <a:p>
             <a:pPr lvl="4"/>
             <a:r>
-              <a:rPr lang="en-US" smtClean="0"/>
+              <a:rPr lang="en-US"/>
               <a:t>Fifth level</a:t>
             </a:r>
-            <a:endParaRPr lang="en-US"/>
           </a:p>
         </p:txBody>
       </p:sp>
@@ -1684,7 +1674,7 @@
           <a:p>
             <a:pPr lvl="0"/>
             <a:r>
-              <a:rPr lang="en-US" smtClean="0"/>
+              <a:rPr lang="en-US"/>
               <a:t>Click to edit Master text styles</a:t>
             </a:r>
           </a:p>
@@ -1740,38 +1730,37 @@
           <a:p>
             <a:pPr lvl="0"/>
             <a:r>
-              <a:rPr lang="en-US" smtClean="0"/>
+              <a:rPr lang="en-US"/>
               <a:t>Click to edit Master text styles</a:t>
             </a:r>
           </a:p>
           <a:p>
             <a:pPr lvl="1"/>
             <a:r>
-              <a:rPr lang="en-US" smtClean="0"/>
+              <a:rPr lang="en-US"/>
               <a:t>Second level</a:t>
             </a:r>
           </a:p>
           <a:p>
             <a:pPr lvl="2"/>
             <a:r>
-              <a:rPr lang="en-US" smtClean="0"/>
+              <a:rPr lang="en-US"/>
               <a:t>Third level</a:t>
             </a:r>
           </a:p>
           <a:p>
             <a:pPr lvl="3"/>
             <a:r>
-              <a:rPr lang="en-US" smtClean="0"/>
+              <a:rPr lang="en-US"/>
               <a:t>Fourth level</a:t>
             </a:r>
           </a:p>
           <a:p>
             <a:pPr lvl="4"/>
             <a:r>
-              <a:rPr lang="en-US" smtClean="0"/>
+              <a:rPr lang="en-US"/>
               <a:t>Fifth level</a:t>
             </a:r>
-            <a:endParaRPr lang="en-US"/>
           </a:p>
         </p:txBody>
       </p:sp>
@@ -1793,7 +1782,7 @@
             <a:fld id="{72957018-D432-EA46-BFF1-2153CC7DE60B}" type="datetimeFigureOut">
               <a:rPr lang="en-US" smtClean="0"/>
               <a:pPr/>
-              <a:t>1/30/2018</a:t>
+              <a:t>5/29/2018</a:t>
             </a:fld>
             <a:endParaRPr lang="en-US"/>
           </a:p>
@@ -1888,10 +1877,9 @@
           <a:lstStyle/>
           <a:p>
             <a:r>
-              <a:rPr lang="en-US" smtClean="0"/>
+              <a:rPr lang="en-US"/>
               <a:t>Click to edit Master title style</a:t>
             </a:r>
-            <a:endParaRPr lang="en-US"/>
           </a:p>
         </p:txBody>
       </p:sp>
@@ -1913,7 +1901,7 @@
             <a:fld id="{72957018-D432-EA46-BFF1-2153CC7DE60B}" type="datetimeFigureOut">
               <a:rPr lang="en-US" smtClean="0"/>
               <a:pPr/>
-              <a:t>1/30/2018</a:t>
+              <a:t>5/29/2018</a:t>
             </a:fld>
             <a:endParaRPr lang="en-US"/>
           </a:p>
@@ -2010,7 +1998,7 @@
             <a:fld id="{72957018-D432-EA46-BFF1-2153CC7DE60B}" type="datetimeFigureOut">
               <a:rPr lang="en-US" smtClean="0"/>
               <a:pPr/>
-              <a:t>1/30/2018</a:t>
+              <a:t>5/29/2018</a:t>
             </a:fld>
             <a:endParaRPr lang="en-US"/>
           </a:p>
@@ -2114,10 +2102,9 @@
           </a:lstStyle>
           <a:p>
             <a:r>
-              <a:rPr lang="en-US" smtClean="0"/>
+              <a:rPr lang="en-US"/>
               <a:t>Click to edit Master title style</a:t>
             </a:r>
-            <a:endParaRPr lang="en-US"/>
           </a:p>
         </p:txBody>
       </p:sp>
@@ -2171,38 +2158,37 @@
           <a:p>
             <a:pPr lvl="0"/>
             <a:r>
-              <a:rPr lang="en-US" smtClean="0"/>
+              <a:rPr lang="en-US"/>
               <a:t>Click to edit Master text styles</a:t>
             </a:r>
           </a:p>
           <a:p>
             <a:pPr lvl="1"/>
             <a:r>
-              <a:rPr lang="en-US" smtClean="0"/>
+              <a:rPr lang="en-US"/>
               <a:t>Second level</a:t>
             </a:r>
           </a:p>
           <a:p>
             <a:pPr lvl="2"/>
             <a:r>
-              <a:rPr lang="en-US" smtClean="0"/>
+              <a:rPr lang="en-US"/>
               <a:t>Third level</a:t>
             </a:r>
           </a:p>
           <a:p>
             <a:pPr lvl="3"/>
             <a:r>
-              <a:rPr lang="en-US" smtClean="0"/>
+              <a:rPr lang="en-US"/>
               <a:t>Fourth level</a:t>
             </a:r>
           </a:p>
           <a:p>
             <a:pPr lvl="4"/>
             <a:r>
-              <a:rPr lang="en-US" smtClean="0"/>
+              <a:rPr lang="en-US"/>
               <a:t>Fifth level</a:t>
             </a:r>
-            <a:endParaRPr lang="en-US"/>
           </a:p>
         </p:txBody>
       </p:sp>
@@ -2265,7 +2251,7 @@
           <a:p>
             <a:pPr lvl="0"/>
             <a:r>
-              <a:rPr lang="en-US" smtClean="0"/>
+              <a:rPr lang="en-US"/>
               <a:t>Click to edit Master text styles</a:t>
             </a:r>
           </a:p>
@@ -2289,7 +2275,7 @@
             <a:fld id="{72957018-D432-EA46-BFF1-2153CC7DE60B}" type="datetimeFigureOut">
               <a:rPr lang="en-US" smtClean="0"/>
               <a:pPr/>
-              <a:t>1/30/2018</a:t>
+              <a:t>5/29/2018</a:t>
             </a:fld>
             <a:endParaRPr lang="en-US"/>
           </a:p>
@@ -2393,10 +2379,9 @@
           </a:lstStyle>
           <a:p>
             <a:r>
-              <a:rPr lang="en-US" smtClean="0"/>
+              <a:rPr lang="en-US"/>
               <a:t>Click to edit Master title style</a:t>
             </a:r>
-            <a:endParaRPr lang="en-US"/>
           </a:p>
         </p:txBody>
       </p:sp>
@@ -2520,7 +2505,7 @@
           <a:p>
             <a:pPr lvl="0"/>
             <a:r>
-              <a:rPr lang="en-US" smtClean="0"/>
+              <a:rPr lang="en-US"/>
               <a:t>Click to edit Master text styles</a:t>
             </a:r>
           </a:p>
@@ -2544,7 +2529,7 @@
             <a:fld id="{72957018-D432-EA46-BFF1-2153CC7DE60B}" type="datetimeFigureOut">
               <a:rPr lang="en-US" smtClean="0"/>
               <a:pPr/>
-              <a:t>1/30/2018</a:t>
+              <a:t>5/29/2018</a:t>
             </a:fld>
             <a:endParaRPr lang="en-US"/>
           </a:p>
@@ -2654,10 +2639,9 @@
           <a:lstStyle/>
           <a:p>
             <a:r>
-              <a:rPr lang="en-US" smtClean="0"/>
+              <a:rPr lang="en-US"/>
               <a:t>Click to edit Master title style</a:t>
             </a:r>
-            <a:endParaRPr lang="en-US"/>
           </a:p>
         </p:txBody>
       </p:sp>
@@ -2688,38 +2672,37 @@
           <a:p>
             <a:pPr lvl="0"/>
             <a:r>
-              <a:rPr lang="en-US" smtClean="0"/>
+              <a:rPr lang="en-US"/>
               <a:t>Click to edit Master text styles</a:t>
             </a:r>
           </a:p>
           <a:p>
             <a:pPr lvl="1"/>
             <a:r>
-              <a:rPr lang="en-US" smtClean="0"/>
+              <a:rPr lang="en-US"/>
               <a:t>Second level</a:t>
             </a:r>
           </a:p>
           <a:p>
             <a:pPr lvl="2"/>
             <a:r>
-              <a:rPr lang="en-US" smtClean="0"/>
+              <a:rPr lang="en-US"/>
               <a:t>Third level</a:t>
             </a:r>
           </a:p>
           <a:p>
             <a:pPr lvl="3"/>
             <a:r>
-              <a:rPr lang="en-US" smtClean="0"/>
+              <a:rPr lang="en-US"/>
               <a:t>Fourth level</a:t>
             </a:r>
           </a:p>
           <a:p>
             <a:pPr lvl="4"/>
             <a:r>
-              <a:rPr lang="en-US" smtClean="0"/>
+              <a:rPr lang="en-US"/>
               <a:t>Fifth level</a:t>
             </a:r>
-            <a:endParaRPr lang="en-US"/>
           </a:p>
         </p:txBody>
       </p:sp>
@@ -2759,7 +2742,7 @@
             <a:fld id="{72957018-D432-EA46-BFF1-2153CC7DE60B}" type="datetimeFigureOut">
               <a:rPr lang="en-US" smtClean="0"/>
               <a:pPr/>
-              <a:t>1/30/2018</a:t>
+              <a:t>5/29/2018</a:t>
             </a:fld>
             <a:endParaRPr lang="en-US"/>
           </a:p>
@@ -3618,18 +3601,13 @@
           <a:p>
             <a:pPr algn="ctr"/>
             <a:r>
-              <a:rPr lang="en-US" sz="800" dirty="0" smtClean="0">
+              <a:rPr lang="en-US" sz="800" dirty="0">
                 <a:solidFill>
                   <a:schemeClr val="tx1"/>
                 </a:solidFill>
               </a:rPr>
               <a:t>Profiles Beta</a:t>
             </a:r>
-            <a:endParaRPr lang="en-US" sz="800" dirty="0">
-              <a:solidFill>
-                <a:schemeClr val="tx1"/>
-              </a:solidFill>
-            </a:endParaRPr>
           </a:p>
         </p:txBody>
       </p:sp>
@@ -3685,18 +3663,13 @@
           <a:p>
             <a:pPr algn="ctr"/>
             <a:r>
-              <a:rPr lang="en-US" sz="800" dirty="0" smtClean="0">
+              <a:rPr lang="en-US" sz="800" dirty="0">
                 <a:solidFill>
                   <a:schemeClr val="tx1"/>
                 </a:solidFill>
               </a:rPr>
               <a:t>HR Database</a:t>
             </a:r>
-            <a:endParaRPr lang="en-US" sz="800" dirty="0">
-              <a:solidFill>
-                <a:schemeClr val="tx1"/>
-              </a:solidFill>
-            </a:endParaRPr>
           </a:p>
         </p:txBody>
       </p:sp>
@@ -3752,18 +3725,13 @@
           <a:p>
             <a:pPr algn="ctr"/>
             <a:r>
-              <a:rPr lang="en-US" sz="800" dirty="0" smtClean="0">
+              <a:rPr lang="en-US" sz="800" dirty="0">
                 <a:solidFill>
                   <a:schemeClr val="tx1"/>
                 </a:solidFill>
               </a:rPr>
               <a:t>*.OWL Files</a:t>
             </a:r>
-            <a:endParaRPr lang="en-US" sz="800" dirty="0">
-              <a:solidFill>
-                <a:schemeClr val="tx1"/>
-              </a:solidFill>
-            </a:endParaRPr>
           </a:p>
         </p:txBody>
       </p:sp>
@@ -3819,7 +3787,7 @@
           <a:p>
             <a:pPr algn="ctr"/>
             <a:r>
-              <a:rPr lang="en-US" sz="800" dirty="0" smtClean="0">
+              <a:rPr lang="en-US" sz="800" dirty="0">
                 <a:solidFill>
                   <a:schemeClr val="tx1"/>
                 </a:solidFill>
@@ -3827,7 +3795,7 @@
               <a:t>[</a:t>
             </a:r>
             <a:r>
-              <a:rPr lang="en-US" sz="800" dirty="0" err="1" smtClean="0">
+              <a:rPr lang="en-US" sz="800" dirty="0" err="1">
                 <a:solidFill>
                   <a:schemeClr val="tx1"/>
                 </a:solidFill>
@@ -3835,7 +3803,7 @@
               <a:t>Ontology.Import</a:t>
             </a:r>
             <a:r>
-              <a:rPr lang="en-US" sz="800" dirty="0" smtClean="0">
+              <a:rPr lang="en-US" sz="800" dirty="0">
                 <a:solidFill>
                   <a:schemeClr val="tx1"/>
                 </a:solidFill>
@@ -3846,18 +3814,13 @@
           <a:p>
             <a:pPr algn="ctr"/>
             <a:r>
-              <a:rPr lang="en-US" sz="800" dirty="0" smtClean="0">
+              <a:rPr lang="en-US" sz="800" dirty="0">
                 <a:solidFill>
                   <a:schemeClr val="tx1"/>
                 </a:solidFill>
               </a:rPr>
               <a:t>[Owl]</a:t>
             </a:r>
-            <a:endParaRPr lang="en-US" sz="800" dirty="0">
-              <a:solidFill>
-                <a:schemeClr val="tx1"/>
-              </a:solidFill>
-            </a:endParaRPr>
           </a:p>
         </p:txBody>
       </p:sp>
@@ -3913,7 +3876,7 @@
           <a:p>
             <a:pPr algn="ctr"/>
             <a:r>
-              <a:rPr lang="en-US" sz="800" dirty="0" smtClean="0">
+              <a:rPr lang="en-US" sz="800" dirty="0">
                 <a:solidFill>
                   <a:schemeClr val="tx1"/>
                 </a:solidFill>
@@ -3921,7 +3884,7 @@
               <a:t>[</a:t>
             </a:r>
             <a:r>
-              <a:rPr lang="en-US" sz="800" dirty="0" err="1" smtClean="0">
+              <a:rPr lang="en-US" sz="800" dirty="0" err="1">
                 <a:solidFill>
                   <a:schemeClr val="tx1"/>
                 </a:solidFill>
@@ -3929,7 +3892,7 @@
               <a:t>Ontology.Import</a:t>
             </a:r>
             <a:r>
-              <a:rPr lang="en-US" sz="800" dirty="0" smtClean="0">
+              <a:rPr lang="en-US" sz="800" dirty="0">
                 <a:solidFill>
                   <a:schemeClr val="tx1"/>
                 </a:solidFill>
@@ -3940,18 +3903,13 @@
           <a:p>
             <a:pPr algn="ctr"/>
             <a:r>
-              <a:rPr lang="en-US" sz="800" dirty="0" smtClean="0">
+              <a:rPr lang="en-US" sz="800" dirty="0">
                 <a:solidFill>
                   <a:schemeClr val="tx1"/>
                 </a:solidFill>
               </a:rPr>
               <a:t>[Triple]</a:t>
             </a:r>
-            <a:endParaRPr lang="en-US" sz="800" dirty="0">
-              <a:solidFill>
-                <a:schemeClr val="tx1"/>
-              </a:solidFill>
-            </a:endParaRPr>
           </a:p>
         </p:txBody>
       </p:sp>
@@ -4007,7 +3965,7 @@
           <a:p>
             <a:pPr algn="ctr"/>
             <a:r>
-              <a:rPr lang="en-US" sz="800" dirty="0" smtClean="0">
+              <a:rPr lang="en-US" sz="800" dirty="0">
                 <a:solidFill>
                   <a:schemeClr val="tx1"/>
                 </a:solidFill>
@@ -4015,7 +3973,7 @@
               <a:t>[</a:t>
             </a:r>
             <a:r>
-              <a:rPr lang="en-US" sz="800" dirty="0" err="1" smtClean="0">
+              <a:rPr lang="en-US" sz="800" dirty="0" err="1">
                 <a:solidFill>
                   <a:schemeClr val="tx1"/>
                 </a:solidFill>
@@ -4023,7 +3981,7 @@
               <a:t>RDF.Stage</a:t>
             </a:r>
             <a:r>
-              <a:rPr lang="en-US" sz="800" dirty="0" smtClean="0">
+              <a:rPr lang="en-US" sz="800" dirty="0">
                 <a:solidFill>
                   <a:schemeClr val="tx1"/>
                 </a:solidFill>
@@ -4034,18 +3992,13 @@
           <a:p>
             <a:pPr algn="ctr"/>
             <a:r>
-              <a:rPr lang="en-US" sz="800" dirty="0" smtClean="0">
+              <a:rPr lang="en-US" sz="800" dirty="0">
                 <a:solidFill>
                   <a:schemeClr val="tx1"/>
                 </a:solidFill>
               </a:rPr>
               <a:t>[Triple]</a:t>
             </a:r>
-            <a:endParaRPr lang="en-US" sz="800" dirty="0">
-              <a:solidFill>
-                <a:schemeClr val="tx1"/>
-              </a:solidFill>
-            </a:endParaRPr>
           </a:p>
         </p:txBody>
       </p:sp>
@@ -4207,7 +4160,7 @@
           <a:p>
             <a:pPr algn="ctr"/>
             <a:r>
-              <a:rPr lang="en-US" sz="600" dirty="0" smtClean="0">
+              <a:rPr lang="en-US" sz="600" dirty="0">
                 <a:solidFill>
                   <a:schemeClr val="tx1"/>
                 </a:solidFill>
@@ -4215,7 +4168,7 @@
               <a:t>[</a:t>
             </a:r>
             <a:r>
-              <a:rPr lang="en-US" sz="600" dirty="0" err="1" smtClean="0">
+              <a:rPr lang="en-US" sz="600" dirty="0" err="1">
                 <a:solidFill>
                   <a:schemeClr val="tx1"/>
                 </a:solidFill>
@@ -4223,7 +4176,7 @@
               <a:t>Ontology.Import</a:t>
             </a:r>
             <a:r>
-              <a:rPr lang="en-US" sz="600" dirty="0" smtClean="0">
+              <a:rPr lang="en-US" sz="600" dirty="0">
                 <a:solidFill>
                   <a:schemeClr val="tx1"/>
                 </a:solidFill>
@@ -4234,7 +4187,7 @@
           <a:p>
             <a:pPr algn="ctr"/>
             <a:r>
-              <a:rPr lang="en-US" sz="600" dirty="0" smtClean="0">
+              <a:rPr lang="en-US" sz="600" dirty="0">
                 <a:solidFill>
                   <a:schemeClr val="tx1"/>
                 </a:solidFill>
@@ -4245,18 +4198,13 @@
           <a:p>
             <a:pPr algn="ctr"/>
             <a:r>
-              <a:rPr lang="en-US" sz="600" dirty="0" smtClean="0">
+              <a:rPr lang="en-US" sz="600" dirty="0">
                 <a:solidFill>
                   <a:schemeClr val="tx1"/>
                 </a:solidFill>
               </a:rPr>
               <a:t>Triple2OWL]</a:t>
             </a:r>
-            <a:endParaRPr lang="en-US" sz="600" dirty="0">
-              <a:solidFill>
-                <a:schemeClr val="tx1"/>
-              </a:solidFill>
-            </a:endParaRPr>
           </a:p>
         </p:txBody>
       </p:sp>
@@ -4304,7 +4252,7 @@
           <a:p>
             <a:pPr algn="ctr"/>
             <a:r>
-              <a:rPr lang="en-US" sz="600" dirty="0" smtClean="0">
+              <a:rPr lang="en-US" sz="600" dirty="0">
                 <a:solidFill>
                   <a:schemeClr val="tx1"/>
                 </a:solidFill>
@@ -4312,7 +4260,7 @@
               <a:t>[</a:t>
             </a:r>
             <a:r>
-              <a:rPr lang="en-US" sz="600" dirty="0" err="1" smtClean="0">
+              <a:rPr lang="en-US" sz="600" dirty="0" err="1">
                 <a:solidFill>
                   <a:schemeClr val="tx1"/>
                 </a:solidFill>
@@ -4320,7 +4268,7 @@
               <a:t>Ontology.Import</a:t>
             </a:r>
             <a:r>
-              <a:rPr lang="en-US" sz="600" dirty="0" smtClean="0">
+              <a:rPr lang="en-US" sz="600" dirty="0">
                 <a:solidFill>
                   <a:schemeClr val="tx1"/>
                 </a:solidFill>
@@ -4331,7 +4279,7 @@
           <a:p>
             <a:pPr algn="ctr"/>
             <a:r>
-              <a:rPr lang="en-US" sz="600" dirty="0" smtClean="0">
+              <a:rPr lang="en-US" sz="600" dirty="0">
                 <a:solidFill>
                   <a:schemeClr val="tx1"/>
                 </a:solidFill>
@@ -4342,18 +4290,13 @@
           <a:p>
             <a:pPr algn="ctr"/>
             <a:r>
-              <a:rPr lang="en-US" sz="600" dirty="0" smtClean="0">
+              <a:rPr lang="en-US" sz="600" dirty="0">
                 <a:solidFill>
                   <a:schemeClr val="tx1"/>
                 </a:solidFill>
               </a:rPr>
               <a:t>OWL2Triple]</a:t>
             </a:r>
-            <a:endParaRPr lang="en-US" sz="600" dirty="0">
-              <a:solidFill>
-                <a:schemeClr val="tx1"/>
-              </a:solidFill>
-            </a:endParaRPr>
           </a:p>
         </p:txBody>
       </p:sp>
@@ -4401,7 +4344,7 @@
           <a:p>
             <a:pPr algn="ctr"/>
             <a:r>
-              <a:rPr lang="en-US" sz="600" dirty="0" smtClean="0">
+              <a:rPr lang="en-US" sz="600" dirty="0">
                 <a:solidFill>
                   <a:schemeClr val="tx1"/>
                 </a:solidFill>
@@ -4409,7 +4352,7 @@
               <a:t>[</a:t>
             </a:r>
             <a:r>
-              <a:rPr lang="en-US" sz="600" dirty="0" err="1" smtClean="0">
+              <a:rPr lang="en-US" sz="600" dirty="0" err="1">
                 <a:solidFill>
                   <a:schemeClr val="tx1"/>
                 </a:solidFill>
@@ -4417,7 +4360,7 @@
               <a:t>RDF.Stage</a:t>
             </a:r>
             <a:r>
-              <a:rPr lang="en-US" sz="600" dirty="0" smtClean="0">
+              <a:rPr lang="en-US" sz="600" dirty="0">
                 <a:solidFill>
                   <a:schemeClr val="tx1"/>
                 </a:solidFill>
@@ -4428,7 +4371,7 @@
           <a:p>
             <a:pPr algn="ctr"/>
             <a:r>
-              <a:rPr lang="en-US" sz="600" dirty="0" smtClean="0">
+              <a:rPr lang="en-US" sz="600" dirty="0">
                 <a:solidFill>
                   <a:schemeClr val="tx1"/>
                 </a:solidFill>
@@ -4436,42 +4379,37 @@
               <a:t>[</a:t>
             </a:r>
             <a:r>
-              <a:rPr lang="en-US" sz="600" dirty="0" err="1" smtClean="0">
+              <a:rPr lang="en-US" sz="600" dirty="0" err="1">
                 <a:solidFill>
                   <a:schemeClr val="tx1"/>
                 </a:solidFill>
               </a:rPr>
               <a:t>LoadTriples</a:t>
-            </a:r>
-            <a:endParaRPr lang="en-US" sz="600" dirty="0" smtClean="0">
-              <a:solidFill>
-                <a:schemeClr val="tx1"/>
-              </a:solidFill>
-            </a:endParaRPr>
-          </a:p>
-          <a:p>
-            <a:pPr algn="ctr"/>
-            <a:r>
-              <a:rPr lang="en-US" sz="600" dirty="0" err="1" smtClean="0">
-                <a:solidFill>
-                  <a:schemeClr val="tx1"/>
-                </a:solidFill>
-              </a:rPr>
-              <a:t>FromOntology</a:t>
-            </a:r>
-            <a:r>
-              <a:rPr lang="en-US" sz="600" dirty="0" smtClean="0">
-                <a:solidFill>
-                  <a:schemeClr val="tx1"/>
-                </a:solidFill>
-              </a:rPr>
-              <a:t>]</a:t>
             </a:r>
             <a:endParaRPr lang="en-US" sz="600" dirty="0">
               <a:solidFill>
                 <a:schemeClr val="tx1"/>
               </a:solidFill>
             </a:endParaRPr>
+          </a:p>
+          <a:p>
+            <a:pPr algn="ctr"/>
+            <a:r>
+              <a:rPr lang="en-US" sz="600" dirty="0" err="1">
+                <a:solidFill>
+                  <a:schemeClr val="tx1"/>
+                </a:solidFill>
+              </a:rPr>
+              <a:t>FromOntology</a:t>
+            </a:r>
+            <a:r>
+              <a:rPr lang="en-US" sz="600" dirty="0">
+                <a:solidFill>
+                  <a:schemeClr val="tx1"/>
+                </a:solidFill>
+              </a:rPr>
+              <a:t>]</a:t>
+            </a:r>
           </a:p>
         </p:txBody>
       </p:sp>
@@ -4527,18 +4465,13 @@
           <a:p>
             <a:pPr algn="ctr"/>
             <a:r>
-              <a:rPr lang="en-US" sz="800" dirty="0" smtClean="0">
+              <a:rPr lang="en-US" sz="800" dirty="0">
                 <a:solidFill>
                   <a:schemeClr val="tx1"/>
                 </a:solidFill>
               </a:rPr>
               <a:t>InstallData.xml</a:t>
             </a:r>
-            <a:endParaRPr lang="en-US" sz="800" dirty="0">
-              <a:solidFill>
-                <a:schemeClr val="tx1"/>
-              </a:solidFill>
-            </a:endParaRPr>
           </a:p>
         </p:txBody>
       </p:sp>
@@ -4594,7 +4527,7 @@
           <a:p>
             <a:pPr algn="ctr"/>
             <a:r>
-              <a:rPr lang="en-US" sz="800" dirty="0" smtClean="0">
+              <a:rPr lang="en-US" sz="800" dirty="0">
                 <a:solidFill>
                   <a:schemeClr val="tx1"/>
                 </a:solidFill>
@@ -4605,7 +4538,7 @@
           <a:p>
             <a:pPr algn="ctr"/>
             <a:r>
-              <a:rPr lang="en-US" sz="800" dirty="0" smtClean="0">
+              <a:rPr lang="en-US" sz="800" dirty="0">
                 <a:solidFill>
                   <a:schemeClr val="tx1"/>
                 </a:solidFill>
@@ -4613,7 +4546,7 @@
               <a:t>[</a:t>
             </a:r>
             <a:r>
-              <a:rPr lang="en-US" sz="800" dirty="0" err="1" smtClean="0">
+              <a:rPr lang="en-US" sz="800" dirty="0" err="1">
                 <a:solidFill>
                   <a:schemeClr val="tx1"/>
                 </a:solidFill>
@@ -4621,18 +4554,13 @@
               <a:t>InstallData</a:t>
             </a:r>
             <a:r>
-              <a:rPr lang="en-US" sz="800" dirty="0" smtClean="0">
+              <a:rPr lang="en-US" sz="800" dirty="0">
                 <a:solidFill>
                   <a:schemeClr val="tx1"/>
                 </a:solidFill>
               </a:rPr>
               <a:t>]</a:t>
             </a:r>
-            <a:endParaRPr lang="en-US" sz="800" dirty="0">
-              <a:solidFill>
-                <a:schemeClr val="tx1"/>
-              </a:solidFill>
-            </a:endParaRPr>
           </a:p>
         </p:txBody>
       </p:sp>
@@ -4688,7 +4616,7 @@
           <a:p>
             <a:pPr algn="ctr"/>
             <a:r>
-              <a:rPr lang="en-US" sz="800" dirty="0" smtClean="0">
+              <a:rPr lang="en-US" sz="800" dirty="0">
                 <a:solidFill>
                   <a:schemeClr val="tx1"/>
                 </a:solidFill>
@@ -4699,18 +4627,13 @@
           <a:p>
             <a:pPr algn="ctr"/>
             <a:r>
-              <a:rPr lang="en-US" sz="800" dirty="0" smtClean="0">
+              <a:rPr lang="en-US" sz="800" dirty="0">
                 <a:solidFill>
                   <a:schemeClr val="tx1"/>
                 </a:solidFill>
               </a:rPr>
               <a:t>[Framework.].*</a:t>
             </a:r>
-            <a:endParaRPr lang="en-US" sz="800" dirty="0">
-              <a:solidFill>
-                <a:schemeClr val="tx1"/>
-              </a:solidFill>
-            </a:endParaRPr>
           </a:p>
         </p:txBody>
       </p:sp>
@@ -4872,7 +4795,7 @@
           <a:p>
             <a:pPr algn="ctr"/>
             <a:r>
-              <a:rPr lang="en-US" sz="600" dirty="0" smtClean="0">
+              <a:rPr lang="en-US" sz="600" dirty="0">
                 <a:solidFill>
                   <a:schemeClr val="tx1"/>
                 </a:solidFill>
@@ -4883,7 +4806,7 @@
           <a:p>
             <a:pPr algn="ctr"/>
             <a:r>
-              <a:rPr lang="en-US" sz="600" dirty="0" smtClean="0">
+              <a:rPr lang="en-US" sz="600" dirty="0">
                 <a:solidFill>
                   <a:schemeClr val="tx1"/>
                 </a:solidFill>
@@ -4891,7 +4814,7 @@
               <a:t>[</a:t>
             </a:r>
             <a:r>
-              <a:rPr lang="en-US" sz="600" dirty="0" err="1" smtClean="0">
+              <a:rPr lang="en-US" sz="600" dirty="0" err="1">
                 <a:solidFill>
                   <a:schemeClr val="tx1"/>
                 </a:solidFill>
@@ -4899,18 +4822,13 @@
               <a:t>CreateInstallData</a:t>
             </a:r>
             <a:r>
-              <a:rPr lang="en-US" sz="600" dirty="0" smtClean="0">
+              <a:rPr lang="en-US" sz="600" dirty="0">
                 <a:solidFill>
                   <a:schemeClr val="tx1"/>
                 </a:solidFill>
               </a:rPr>
               <a:t>]</a:t>
             </a:r>
-            <a:endParaRPr lang="en-US" sz="600" dirty="0">
-              <a:solidFill>
-                <a:schemeClr val="tx1"/>
-              </a:solidFill>
-            </a:endParaRPr>
           </a:p>
         </p:txBody>
       </p:sp>
@@ -4958,7 +4876,7 @@
           <a:p>
             <a:pPr algn="ctr"/>
             <a:r>
-              <a:rPr lang="en-US" sz="600" dirty="0" smtClean="0">
+              <a:rPr lang="en-US" sz="600" dirty="0">
                 <a:solidFill>
                   <a:schemeClr val="tx1"/>
                 </a:solidFill>
@@ -4969,7 +4887,7 @@
           <a:p>
             <a:pPr algn="ctr"/>
             <a:r>
-              <a:rPr lang="en-US" sz="600" dirty="0" smtClean="0">
+              <a:rPr lang="en-US" sz="600" dirty="0">
                 <a:solidFill>
                   <a:schemeClr val="tx1"/>
                 </a:solidFill>
@@ -4977,7 +4895,7 @@
               <a:t>[</a:t>
             </a:r>
             <a:r>
-              <a:rPr lang="en-US" sz="600" dirty="0" err="1" smtClean="0">
+              <a:rPr lang="en-US" sz="600" dirty="0" err="1">
                 <a:solidFill>
                   <a:schemeClr val="tx1"/>
                 </a:solidFill>
@@ -4985,18 +4903,13 @@
               <a:t>LoadInstallData</a:t>
             </a:r>
             <a:r>
-              <a:rPr lang="en-US" sz="600" dirty="0" smtClean="0">
+              <a:rPr lang="en-US" sz="600" dirty="0">
                 <a:solidFill>
                   <a:schemeClr val="tx1"/>
                 </a:solidFill>
               </a:rPr>
               <a:t>]</a:t>
             </a:r>
-            <a:endParaRPr lang="en-US" sz="600" dirty="0">
-              <a:solidFill>
-                <a:schemeClr val="tx1"/>
-              </a:solidFill>
-            </a:endParaRPr>
           </a:p>
         </p:txBody>
       </p:sp>
@@ -5208,7 +5121,7 @@
           <a:p>
             <a:pPr algn="ctr"/>
             <a:r>
-              <a:rPr lang="en-US" sz="600" dirty="0" smtClean="0">
+              <a:rPr lang="en-US" sz="600" dirty="0">
                 <a:solidFill>
                   <a:schemeClr val="tx1"/>
                 </a:solidFill>
@@ -5216,7 +5129,7 @@
               <a:t>[</a:t>
             </a:r>
             <a:r>
-              <a:rPr lang="en-US" sz="600" dirty="0" err="1" smtClean="0">
+              <a:rPr lang="en-US" sz="600" dirty="0" err="1">
                 <a:solidFill>
                   <a:schemeClr val="tx1"/>
                 </a:solidFill>
@@ -5224,7 +5137,7 @@
               <a:t>RDF.Stage</a:t>
             </a:r>
             <a:r>
-              <a:rPr lang="en-US" sz="600" dirty="0" smtClean="0">
+              <a:rPr lang="en-US" sz="600" dirty="0">
                 <a:solidFill>
                   <a:schemeClr val="tx1"/>
                 </a:solidFill>
@@ -5235,7 +5148,7 @@
           <a:p>
             <a:pPr algn="ctr"/>
             <a:r>
-              <a:rPr lang="en-US" sz="600" dirty="0" smtClean="0">
+              <a:rPr lang="en-US" sz="600" dirty="0">
                 <a:solidFill>
                   <a:schemeClr val="tx1"/>
                 </a:solidFill>
@@ -5243,7 +5156,7 @@
               <a:t>[</a:t>
             </a:r>
             <a:r>
-              <a:rPr lang="en-US" sz="600" dirty="0" err="1" smtClean="0">
+              <a:rPr lang="en-US" sz="600" dirty="0" err="1">
                 <a:solidFill>
                   <a:schemeClr val="tx1"/>
                 </a:solidFill>
@@ -5251,18 +5164,13 @@
               <a:t>ProcessDataMap</a:t>
             </a:r>
             <a:r>
-              <a:rPr lang="en-US" sz="600" dirty="0" smtClean="0">
+              <a:rPr lang="en-US" sz="600" dirty="0">
                 <a:solidFill>
                   <a:schemeClr val="tx1"/>
                 </a:solidFill>
               </a:rPr>
               <a:t>]</a:t>
             </a:r>
-            <a:endParaRPr lang="en-US" sz="600" dirty="0">
-              <a:solidFill>
-                <a:schemeClr val="tx1"/>
-              </a:solidFill>
-            </a:endParaRPr>
           </a:p>
         </p:txBody>
       </p:sp>
@@ -5318,7 +5226,7 @@
           <a:p>
             <a:pPr algn="ctr"/>
             <a:r>
-              <a:rPr lang="en-US" sz="800" dirty="0" smtClean="0">
+              <a:rPr lang="en-US" sz="800" dirty="0">
                 <a:solidFill>
                   <a:schemeClr val="tx1"/>
                 </a:solidFill>
@@ -5326,7 +5234,7 @@
               <a:t>[</a:t>
             </a:r>
             <a:r>
-              <a:rPr lang="en-US" sz="800" dirty="0" err="1" smtClean="0">
+              <a:rPr lang="en-US" sz="800" dirty="0" err="1">
                 <a:solidFill>
                   <a:schemeClr val="tx1"/>
                 </a:solidFill>
@@ -5334,7 +5242,7 @@
               <a:t>RDF.Stage</a:t>
             </a:r>
             <a:r>
-              <a:rPr lang="en-US" sz="800" dirty="0" smtClean="0">
+              <a:rPr lang="en-US" sz="800" dirty="0">
                 <a:solidFill>
                   <a:schemeClr val="tx1"/>
                 </a:solidFill>
@@ -5345,7 +5253,7 @@
           <a:p>
             <a:pPr algn="ctr"/>
             <a:r>
-              <a:rPr lang="en-US" sz="800" dirty="0" smtClean="0">
+              <a:rPr lang="en-US" sz="800" dirty="0">
                 <a:solidFill>
                   <a:schemeClr val="tx1"/>
                 </a:solidFill>
@@ -5353,7 +5261,7 @@
               <a:t>[</a:t>
             </a:r>
             <a:r>
-              <a:rPr lang="en-US" sz="800" dirty="0" err="1" smtClean="0">
+              <a:rPr lang="en-US" sz="800" dirty="0" err="1">
                 <a:solidFill>
                   <a:schemeClr val="tx1"/>
                 </a:solidFill>
@@ -5361,18 +5269,13 @@
               <a:t>InternalNodeMap</a:t>
             </a:r>
             <a:r>
-              <a:rPr lang="en-US" sz="800" dirty="0" smtClean="0">
+              <a:rPr lang="en-US" sz="800" dirty="0">
                 <a:solidFill>
                   <a:schemeClr val="tx1"/>
                 </a:solidFill>
               </a:rPr>
               <a:t>]</a:t>
             </a:r>
-            <a:endParaRPr lang="en-US" sz="800" dirty="0">
-              <a:solidFill>
-                <a:schemeClr val="tx1"/>
-              </a:solidFill>
-            </a:endParaRPr>
           </a:p>
         </p:txBody>
       </p:sp>
@@ -5428,7 +5331,7 @@
           <a:p>
             <a:pPr algn="ctr"/>
             <a:r>
-              <a:rPr lang="en-US" sz="800" dirty="0" smtClean="0">
+              <a:rPr lang="en-US" sz="800" dirty="0">
                 <a:solidFill>
                   <a:schemeClr val="tx1"/>
                 </a:solidFill>
@@ -5439,18 +5342,13 @@
           <a:p>
             <a:pPr algn="ctr"/>
             <a:r>
-              <a:rPr lang="en-US" sz="800" dirty="0" smtClean="0">
+              <a:rPr lang="en-US" sz="800" dirty="0">
                 <a:solidFill>
                   <a:schemeClr val="tx1"/>
                 </a:solidFill>
               </a:rPr>
               <a:t>(Derived Fields)</a:t>
             </a:r>
-            <a:endParaRPr lang="en-US" sz="800" dirty="0">
-              <a:solidFill>
-                <a:schemeClr val="tx1"/>
-              </a:solidFill>
-            </a:endParaRPr>
           </a:p>
         </p:txBody>
       </p:sp>
@@ -5498,7 +5396,7 @@
           <a:p>
             <a:pPr algn="ctr"/>
             <a:r>
-              <a:rPr lang="en-US" sz="600" dirty="0" smtClean="0">
+              <a:rPr lang="en-US" sz="600" dirty="0">
                 <a:solidFill>
                   <a:schemeClr val="tx1"/>
                 </a:solidFill>
@@ -5509,7 +5407,7 @@
           <a:p>
             <a:pPr algn="ctr"/>
             <a:r>
-              <a:rPr lang="en-US" sz="600" dirty="0" smtClean="0">
+              <a:rPr lang="en-US" sz="600" dirty="0">
                 <a:solidFill>
                   <a:schemeClr val="tx1"/>
                 </a:solidFill>
@@ -5517,7 +5415,7 @@
               <a:t>[</a:t>
             </a:r>
             <a:r>
-              <a:rPr lang="en-US" sz="600" dirty="0" err="1" smtClean="0">
+              <a:rPr lang="en-US" sz="600" dirty="0" err="1">
                 <a:solidFill>
                   <a:schemeClr val="tx1"/>
                 </a:solidFill>
@@ -5525,18 +5423,13 @@
               <a:t>UpdateDerivedFields</a:t>
             </a:r>
             <a:r>
-              <a:rPr lang="en-US" sz="600" dirty="0" smtClean="0">
+              <a:rPr lang="en-US" sz="600" dirty="0">
                 <a:solidFill>
                   <a:schemeClr val="tx1"/>
                 </a:solidFill>
               </a:rPr>
               <a:t>]</a:t>
             </a:r>
-            <a:endParaRPr lang="en-US" sz="600" dirty="0">
-              <a:solidFill>
-                <a:schemeClr val="tx1"/>
-              </a:solidFill>
-            </a:endParaRPr>
           </a:p>
         </p:txBody>
       </p:sp>
@@ -5584,7 +5477,7 @@
           <a:p>
             <a:pPr algn="ctr"/>
             <a:r>
-              <a:rPr lang="en-US" sz="600" dirty="0" smtClean="0">
+              <a:rPr lang="en-US" sz="600" dirty="0">
                 <a:solidFill>
                   <a:schemeClr val="tx1"/>
                 </a:solidFill>
@@ -5595,7 +5488,7 @@
           <a:p>
             <a:pPr algn="ctr"/>
             <a:r>
-              <a:rPr lang="en-US" sz="600" dirty="0" smtClean="0">
+              <a:rPr lang="en-US" sz="600" dirty="0">
                 <a:solidFill>
                   <a:schemeClr val="tx1"/>
                 </a:solidFill>
@@ -5603,7 +5496,7 @@
               <a:t>[</a:t>
             </a:r>
             <a:r>
-              <a:rPr lang="en-US" sz="600" dirty="0" err="1" smtClean="0">
+              <a:rPr lang="en-US" sz="600" dirty="0" err="1">
                 <a:solidFill>
                   <a:schemeClr val="tx1"/>
                 </a:solidFill>
@@ -5611,18 +5504,13 @@
               <a:t>UpdateCounts</a:t>
             </a:r>
             <a:r>
-              <a:rPr lang="en-US" sz="600" dirty="0" smtClean="0">
+              <a:rPr lang="en-US" sz="600" dirty="0">
                 <a:solidFill>
                   <a:schemeClr val="tx1"/>
                 </a:solidFill>
               </a:rPr>
               <a:t>]</a:t>
             </a:r>
-            <a:endParaRPr lang="en-US" sz="600" dirty="0">
-              <a:solidFill>
-                <a:schemeClr val="tx1"/>
-              </a:solidFill>
-            </a:endParaRPr>
           </a:p>
         </p:txBody>
       </p:sp>
@@ -5670,7 +5558,7 @@
           <a:p>
             <a:pPr algn="ctr"/>
             <a:r>
-              <a:rPr lang="en-US" sz="600" i="1" dirty="0" smtClean="0">
+              <a:rPr lang="en-US" sz="600" i="1" dirty="0">
                 <a:solidFill>
                   <a:schemeClr val="tx1"/>
                 </a:solidFill>
@@ -5681,7 +5569,7 @@
           <a:p>
             <a:pPr algn="ctr"/>
             <a:r>
-              <a:rPr lang="en-US" sz="600" i="1" dirty="0" smtClean="0">
+              <a:rPr lang="en-US" sz="600" i="1" dirty="0">
                 <a:solidFill>
                   <a:schemeClr val="tx1"/>
                 </a:solidFill>
@@ -5689,7 +5577,7 @@
               <a:t>[</a:t>
             </a:r>
             <a:r>
-              <a:rPr lang="en-US" sz="600" i="1" dirty="0" err="1" smtClean="0">
+              <a:rPr lang="en-US" sz="600" i="1" dirty="0" err="1">
                 <a:solidFill>
                   <a:schemeClr val="tx1"/>
                 </a:solidFill>
@@ -5697,18 +5585,13 @@
               <a:t>Profile.Import</a:t>
             </a:r>
             <a:r>
-              <a:rPr lang="en-US" sz="600" i="1" dirty="0" smtClean="0">
+              <a:rPr lang="en-US" sz="600" i="1" dirty="0">
                 <a:solidFill>
                   <a:schemeClr val="tx1"/>
                 </a:solidFill>
               </a:rPr>
               <a:t>].* Tables</a:t>
             </a:r>
-            <a:endParaRPr lang="en-US" sz="600" i="1" dirty="0">
-              <a:solidFill>
-                <a:schemeClr val="tx1"/>
-              </a:solidFill>
-            </a:endParaRPr>
           </a:p>
         </p:txBody>
       </p:sp>
@@ -5756,7 +5639,7 @@
           <a:p>
             <a:pPr algn="ctr"/>
             <a:r>
-              <a:rPr lang="en-US" sz="600" dirty="0" smtClean="0">
+              <a:rPr lang="en-US" sz="600" dirty="0">
                 <a:solidFill>
                   <a:schemeClr val="tx1"/>
                 </a:solidFill>
@@ -5764,7 +5647,7 @@
               <a:t>[</a:t>
             </a:r>
             <a:r>
-              <a:rPr lang="en-US" sz="600" dirty="0" err="1" smtClean="0">
+              <a:rPr lang="en-US" sz="600" dirty="0" err="1">
                 <a:solidFill>
                   <a:schemeClr val="tx1"/>
                 </a:solidFill>
@@ -5772,7 +5655,7 @@
               <a:t>Profile.Import</a:t>
             </a:r>
             <a:r>
-              <a:rPr lang="en-US" sz="600" dirty="0" smtClean="0">
+              <a:rPr lang="en-US" sz="600" dirty="0">
                 <a:solidFill>
                   <a:schemeClr val="tx1"/>
                 </a:solidFill>
@@ -5783,7 +5666,7 @@
           <a:p>
             <a:pPr algn="ctr"/>
             <a:r>
-              <a:rPr lang="en-US" sz="600" dirty="0" smtClean="0">
+              <a:rPr lang="en-US" sz="600" dirty="0">
                 <a:solidFill>
                   <a:schemeClr val="tx1"/>
                 </a:solidFill>
@@ -5791,7 +5674,7 @@
               <a:t>[</a:t>
             </a:r>
             <a:r>
-              <a:rPr lang="en-US" sz="600" dirty="0" err="1" smtClean="0">
+              <a:rPr lang="en-US" sz="600" dirty="0" err="1">
                 <a:solidFill>
                   <a:schemeClr val="tx1"/>
                 </a:solidFill>
@@ -5799,18 +5682,13 @@
               <a:t>Beta.LoadData</a:t>
             </a:r>
             <a:r>
-              <a:rPr lang="en-US" sz="600" dirty="0" smtClean="0">
+              <a:rPr lang="en-US" sz="600" dirty="0">
                 <a:solidFill>
                   <a:schemeClr val="tx1"/>
                 </a:solidFill>
               </a:rPr>
               <a:t>]</a:t>
             </a:r>
-            <a:endParaRPr lang="en-US" sz="600" dirty="0">
-              <a:solidFill>
-                <a:schemeClr val="tx1"/>
-              </a:solidFill>
-            </a:endParaRPr>
           </a:p>
         </p:txBody>
       </p:sp>
@@ -5858,7 +5736,7 @@
           <a:p>
             <a:pPr algn="ctr"/>
             <a:r>
-              <a:rPr lang="en-US" sz="600" dirty="0" smtClean="0">
+              <a:rPr lang="en-US" sz="600" dirty="0">
                 <a:solidFill>
                   <a:schemeClr val="tx1"/>
                 </a:solidFill>
@@ -5866,7 +5744,7 @@
               <a:t>[</a:t>
             </a:r>
             <a:r>
-              <a:rPr lang="en-US" sz="600" dirty="0" err="1" smtClean="0">
+              <a:rPr lang="en-US" sz="600" dirty="0" err="1">
                 <a:solidFill>
                   <a:schemeClr val="tx1"/>
                 </a:solidFill>
@@ -5874,7 +5752,7 @@
               <a:t>Profile.Import</a:t>
             </a:r>
             <a:r>
-              <a:rPr lang="en-US" sz="600" dirty="0" smtClean="0">
+              <a:rPr lang="en-US" sz="600" dirty="0">
                 <a:solidFill>
                   <a:schemeClr val="tx1"/>
                 </a:solidFill>
@@ -5885,7 +5763,7 @@
           <a:p>
             <a:pPr algn="ctr"/>
             <a:r>
-              <a:rPr lang="en-US" sz="600" dirty="0" smtClean="0">
+              <a:rPr lang="en-US" sz="600" dirty="0">
                 <a:solidFill>
                   <a:schemeClr val="tx1"/>
                 </a:solidFill>
@@ -5893,7 +5771,7 @@
               <a:t>[</a:t>
             </a:r>
             <a:r>
-              <a:rPr lang="en-US" sz="600" dirty="0" err="1" smtClean="0">
+              <a:rPr lang="en-US" sz="600" dirty="0" err="1">
                 <a:solidFill>
                   <a:schemeClr val="tx1"/>
                 </a:solidFill>
@@ -5901,18 +5779,13 @@
               <a:t>BetaSetDisplayPreferences</a:t>
             </a:r>
             <a:r>
-              <a:rPr lang="en-US" sz="600" dirty="0" smtClean="0">
+              <a:rPr lang="en-US" sz="600" dirty="0">
                 <a:solidFill>
                   <a:schemeClr val="tx1"/>
                 </a:solidFill>
               </a:rPr>
               <a:t>]</a:t>
             </a:r>
-            <a:endParaRPr lang="en-US" sz="600" dirty="0">
-              <a:solidFill>
-                <a:schemeClr val="tx1"/>
-              </a:solidFill>
-            </a:endParaRPr>
           </a:p>
         </p:txBody>
       </p:sp>
@@ -6077,7 +5950,7 @@
               <a:t>RDF.Stage</a:t>
             </a:r>
             <a:r>
-              <a:rPr lang="en-US" sz="600" dirty="0" smtClean="0">
+              <a:rPr lang="en-US" sz="600" dirty="0">
                 <a:solidFill>
                   <a:schemeClr val="tx1"/>
                 </a:solidFill>
@@ -6088,7 +5961,7 @@
           <a:p>
             <a:pPr algn="ctr"/>
             <a:r>
-              <a:rPr lang="en-US" sz="600" dirty="0" smtClean="0">
+              <a:rPr lang="en-US" sz="600" dirty="0">
                 <a:solidFill>
                   <a:schemeClr val="tx1"/>
                 </a:solidFill>
@@ -6174,7 +6047,7 @@
               <a:t>[</a:t>
             </a:r>
             <a:r>
-              <a:rPr lang="en-US" sz="800" dirty="0" err="1" smtClean="0">
+              <a:rPr lang="en-US" sz="800" dirty="0" err="1">
                 <a:solidFill>
                   <a:schemeClr val="tx1"/>
                 </a:solidFill>
@@ -6182,7 +6055,7 @@
               <a:t>Search.Cache</a:t>
             </a:r>
             <a:r>
-              <a:rPr lang="en-US" sz="800" dirty="0" smtClean="0">
+              <a:rPr lang="en-US" sz="800" dirty="0">
                 <a:solidFill>
                   <a:schemeClr val="tx1"/>
                 </a:solidFill>
@@ -6198,21 +6071,8 @@
                   <a:schemeClr val="tx1"/>
                 </a:solidFill>
               </a:rPr>
-              <a:t>[</a:t>
-            </a:r>
-            <a:r>
-              <a:rPr lang="en-US" sz="800" dirty="0" smtClean="0">
-                <a:solidFill>
-                  <a:schemeClr val="tx1"/>
-                </a:solidFill>
-              </a:rPr>
-              <a:t>Private.*]</a:t>
-            </a:r>
-            <a:endParaRPr lang="en-US" sz="800" dirty="0">
-              <a:solidFill>
-                <a:schemeClr val="tx1"/>
-              </a:solidFill>
-            </a:endParaRPr>
+              <a:t>[Private.*]</a:t>
+            </a:r>
           </a:p>
         </p:txBody>
       </p:sp>
@@ -6284,7 +6144,7 @@
               <a:t>Search.Cache</a:t>
             </a:r>
             <a:r>
-              <a:rPr lang="en-US" sz="800" dirty="0" smtClean="0">
+              <a:rPr lang="en-US" sz="800" dirty="0">
                 <a:solidFill>
                   <a:schemeClr val="tx1"/>
                 </a:solidFill>
@@ -6300,21 +6160,8 @@
                   <a:schemeClr val="tx1"/>
                 </a:solidFill>
               </a:rPr>
-              <a:t>[</a:t>
-            </a:r>
-            <a:r>
-              <a:rPr lang="en-US" sz="800" dirty="0" smtClean="0">
-                <a:solidFill>
-                  <a:schemeClr val="tx1"/>
-                </a:solidFill>
-              </a:rPr>
-              <a:t>Public.*]</a:t>
-            </a:r>
-            <a:endParaRPr lang="en-US" sz="800" dirty="0">
-              <a:solidFill>
-                <a:schemeClr val="tx1"/>
-              </a:solidFill>
-            </a:endParaRPr>
+              <a:t>[Public.*]</a:t>
+            </a:r>
           </a:p>
         </p:txBody>
       </p:sp>
@@ -6378,7 +6225,7 @@
               <a:t>Search.Cache</a:t>
             </a:r>
             <a:r>
-              <a:rPr lang="en-US" sz="600" dirty="0" smtClean="0">
+              <a:rPr lang="en-US" sz="600" dirty="0">
                 <a:solidFill>
                   <a:schemeClr val="tx1"/>
                 </a:solidFill>
@@ -6389,7 +6236,7 @@
           <a:p>
             <a:pPr algn="ctr"/>
             <a:r>
-              <a:rPr lang="en-US" sz="600" dirty="0" smtClean="0">
+              <a:rPr lang="en-US" sz="600" dirty="0">
                 <a:solidFill>
                   <a:schemeClr val="tx1"/>
                 </a:solidFill>
@@ -6397,7 +6244,7 @@
               <a:t>[</a:t>
             </a:r>
             <a:r>
-              <a:rPr lang="en-US" sz="600" dirty="0" err="1" smtClean="0">
+              <a:rPr lang="en-US" sz="600" dirty="0" err="1">
                 <a:solidFill>
                   <a:schemeClr val="tx1"/>
                 </a:solidFill>
@@ -6475,7 +6322,7 @@
               <a:t>Search.Cache</a:t>
             </a:r>
             <a:r>
-              <a:rPr lang="en-US" sz="600" dirty="0" smtClean="0">
+              <a:rPr lang="en-US" sz="600" dirty="0">
                 <a:solidFill>
                   <a:schemeClr val="tx1"/>
                 </a:solidFill>
@@ -6486,7 +6333,7 @@
           <a:p>
             <a:pPr algn="ctr"/>
             <a:r>
-              <a:rPr lang="en-US" sz="600" dirty="0" smtClean="0">
+              <a:rPr lang="en-US" sz="600" dirty="0">
                 <a:solidFill>
                   <a:schemeClr val="tx1"/>
                 </a:solidFill>
@@ -6494,7 +6341,7 @@
               <a:t>[</a:t>
             </a:r>
             <a:r>
-              <a:rPr lang="en-US" sz="600" dirty="0" err="1" smtClean="0">
+              <a:rPr lang="en-US" sz="600" dirty="0" err="1">
                 <a:solidFill>
                   <a:schemeClr val="tx1"/>
                 </a:solidFill>
@@ -6541,10 +6388,9 @@
           <a:p>
             <a:pPr algn="ctr"/>
             <a:r>
-              <a:rPr lang="en-US" sz="1200" dirty="0" smtClean="0"/>
+              <a:rPr lang="en-US" sz="1200" dirty="0"/>
               <a:t>Ontology</a:t>
             </a:r>
-            <a:endParaRPr lang="en-US" sz="1200" dirty="0"/>
           </a:p>
         </p:txBody>
       </p:sp>
@@ -6577,10 +6423,9 @@
           <a:p>
             <a:pPr algn="ctr"/>
             <a:r>
-              <a:rPr lang="en-US" sz="1200" dirty="0" smtClean="0"/>
+              <a:rPr lang="en-US" sz="1200" dirty="0"/>
               <a:t>Data</a:t>
             </a:r>
-            <a:endParaRPr lang="en-US" sz="1200" dirty="0"/>
           </a:p>
         </p:txBody>
       </p:sp>
@@ -6649,10 +6494,9 @@
           <a:p>
             <a:pPr algn="ctr"/>
             <a:r>
-              <a:rPr lang="en-US" sz="1200" dirty="0" smtClean="0"/>
+              <a:rPr lang="en-US" sz="1200" dirty="0"/>
               <a:t>Source Data</a:t>
             </a:r>
-            <a:endParaRPr lang="en-US" sz="1200" dirty="0"/>
           </a:p>
         </p:txBody>
       </p:sp>
@@ -6721,10 +6565,9 @@
           <a:p>
             <a:pPr algn="ctr"/>
             <a:r>
-              <a:rPr lang="en-US" sz="1200" dirty="0" smtClean="0"/>
+              <a:rPr lang="en-US" sz="1200" dirty="0"/>
               <a:t>Intermediate Processing Tables</a:t>
             </a:r>
-            <a:endParaRPr lang="en-US" sz="1200" dirty="0"/>
           </a:p>
         </p:txBody>
       </p:sp>
@@ -6757,10 +6600,9 @@
           <a:p>
             <a:pPr algn="ctr"/>
             <a:r>
-              <a:rPr lang="en-US" sz="1200" dirty="0" smtClean="0"/>
+              <a:rPr lang="en-US" sz="1200" dirty="0"/>
               <a:t>Tables Used by the Website</a:t>
             </a:r>
-            <a:endParaRPr lang="en-US" sz="1200" dirty="0"/>
           </a:p>
         </p:txBody>
       </p:sp>
@@ -6856,7 +6698,7 @@
           <a:p>
             <a:pPr algn="ctr"/>
             <a:r>
-              <a:rPr lang="en-US" sz="900" dirty="0" smtClean="0">
+              <a:rPr lang="en-US" sz="900" dirty="0">
                 <a:solidFill>
                   <a:schemeClr val="tx1"/>
                 </a:solidFill>
@@ -6867,18 +6709,13 @@
           <a:p>
             <a:pPr algn="ctr"/>
             <a:r>
-              <a:rPr lang="en-US" sz="900" dirty="0" smtClean="0">
+              <a:rPr lang="en-US" sz="900" dirty="0">
                 <a:solidFill>
                   <a:schemeClr val="tx1"/>
                 </a:solidFill>
               </a:rPr>
               <a:t>[RDF.].[Triple]</a:t>
             </a:r>
-            <a:endParaRPr lang="en-US" sz="900" dirty="0">
-              <a:solidFill>
-                <a:schemeClr val="tx1"/>
-              </a:solidFill>
-            </a:endParaRPr>
           </a:p>
         </p:txBody>
       </p:sp>
@@ -6942,7 +6779,7 @@
               <a:t>RDF.Stage</a:t>
             </a:r>
             <a:r>
-              <a:rPr lang="en-US" sz="600" dirty="0" smtClean="0">
+              <a:rPr lang="en-US" sz="600" dirty="0">
                 <a:solidFill>
                   <a:schemeClr val="tx1"/>
                 </a:solidFill>
@@ -6953,7 +6790,7 @@
           <a:p>
             <a:pPr algn="ctr"/>
             <a:r>
-              <a:rPr lang="en-US" sz="600" dirty="0" smtClean="0">
+              <a:rPr lang="en-US" sz="600" dirty="0">
                 <a:solidFill>
                   <a:schemeClr val="tx1"/>
                 </a:solidFill>
@@ -6961,7 +6798,7 @@
               <a:t>[</a:t>
             </a:r>
             <a:r>
-              <a:rPr lang="en-US" sz="600" dirty="0" err="1" smtClean="0">
+              <a:rPr lang="en-US" sz="600" dirty="0" err="1">
                 <a:solidFill>
                   <a:schemeClr val="tx1"/>
                 </a:solidFill>
@@ -7106,7 +6943,7 @@
           <a:p>
             <a:pPr algn="ctr"/>
             <a:r>
-              <a:rPr lang="en-US" sz="800" dirty="0" smtClean="0">
+              <a:rPr lang="en-US" sz="800" dirty="0">
                 <a:solidFill>
                   <a:schemeClr val="tx1"/>
                 </a:solidFill>
@@ -7114,7 +6951,7 @@
               <a:t>[</a:t>
             </a:r>
             <a:r>
-              <a:rPr lang="en-US" sz="800" dirty="0" err="1" smtClean="0">
+              <a:rPr lang="en-US" sz="800" dirty="0" err="1">
                 <a:solidFill>
                   <a:schemeClr val="tx1"/>
                 </a:solidFill>
@@ -7122,7 +6959,7 @@
               <a:t>Profile.Data</a:t>
             </a:r>
             <a:r>
-              <a:rPr lang="en-US" sz="800" dirty="0" smtClean="0">
+              <a:rPr lang="en-US" sz="800" dirty="0">
                 <a:solidFill>
                   <a:schemeClr val="tx1"/>
                 </a:solidFill>
@@ -7133,7 +6970,7 @@
           <a:p>
             <a:pPr algn="ctr"/>
             <a:r>
-              <a:rPr lang="en-US" sz="800" dirty="0" smtClean="0">
+              <a:rPr lang="en-US" sz="800" dirty="0">
                 <a:solidFill>
                   <a:schemeClr val="tx1"/>
                 </a:solidFill>
@@ -7141,7 +6978,7 @@
               <a:t>[</a:t>
             </a:r>
             <a:r>
-              <a:rPr lang="en-US" sz="800" dirty="0" err="1" smtClean="0">
+              <a:rPr lang="en-US" sz="800" dirty="0" err="1">
                 <a:solidFill>
                   <a:schemeClr val="tx1"/>
                 </a:solidFill>
@@ -7149,18 +6986,13 @@
               <a:t>Concept.Mesh.File</a:t>
             </a:r>
             <a:r>
-              <a:rPr lang="en-US" sz="800" dirty="0" smtClean="0">
+              <a:rPr lang="en-US" sz="800" dirty="0">
                 <a:solidFill>
                   <a:schemeClr val="tx1"/>
                 </a:solidFill>
               </a:rPr>
               <a:t>]</a:t>
             </a:r>
-            <a:endParaRPr lang="en-US" sz="800" dirty="0">
-              <a:solidFill>
-                <a:schemeClr val="tx1"/>
-              </a:solidFill>
-            </a:endParaRPr>
           </a:p>
         </p:txBody>
       </p:sp>
@@ -7208,7 +7040,7 @@
           <a:p>
             <a:pPr algn="ctr"/>
             <a:r>
-              <a:rPr lang="en-US" sz="600" dirty="0" smtClean="0">
+              <a:rPr lang="en-US" sz="600" dirty="0">
                 <a:solidFill>
                   <a:schemeClr val="tx1"/>
                 </a:solidFill>
@@ -7216,7 +7048,7 @@
               <a:t>[</a:t>
             </a:r>
             <a:r>
-              <a:rPr lang="en-US" sz="600" dirty="0" err="1" smtClean="0">
+              <a:rPr lang="en-US" sz="600" dirty="0" err="1">
                 <a:solidFill>
                   <a:schemeClr val="tx1"/>
                 </a:solidFill>
@@ -7224,7 +7056,7 @@
               <a:t>Profile.Data</a:t>
             </a:r>
             <a:r>
-              <a:rPr lang="en-US" sz="600" dirty="0" smtClean="0">
+              <a:rPr lang="en-US" sz="600" dirty="0">
                 <a:solidFill>
                   <a:schemeClr val="tx1"/>
                 </a:solidFill>
@@ -7235,7 +7067,7 @@
           <a:p>
             <a:pPr algn="ctr"/>
             <a:r>
-              <a:rPr lang="en-US" sz="600" dirty="0" smtClean="0">
+              <a:rPr lang="en-US" sz="600" dirty="0">
                 <a:solidFill>
                   <a:schemeClr val="tx1"/>
                 </a:solidFill>
@@ -7243,7 +7075,7 @@
               <a:t>[</a:t>
             </a:r>
             <a:r>
-              <a:rPr lang="en-US" sz="600" dirty="0" err="1" smtClean="0">
+              <a:rPr lang="en-US" sz="600" dirty="0" err="1">
                 <a:solidFill>
                   <a:schemeClr val="tx1"/>
                 </a:solidFill>
@@ -7251,7 +7083,7 @@
               <a:t>Concept.Mesh</a:t>
             </a:r>
             <a:r>
-              <a:rPr lang="en-US" sz="600" dirty="0" smtClean="0">
+              <a:rPr lang="en-US" sz="600" dirty="0">
                 <a:solidFill>
                   <a:schemeClr val="tx1"/>
                 </a:solidFill>
@@ -7262,7 +7094,7 @@
           <a:p>
             <a:pPr algn="ctr"/>
             <a:r>
-              <a:rPr lang="en-US" sz="600" dirty="0" err="1" smtClean="0">
+              <a:rPr lang="en-US" sz="600" dirty="0" err="1">
                 <a:solidFill>
                   <a:schemeClr val="tx1"/>
                 </a:solidFill>
@@ -7270,18 +7102,13 @@
               <a:t>ParseMeshXML</a:t>
             </a:r>
             <a:r>
-              <a:rPr lang="en-US" sz="600" dirty="0" smtClean="0">
+              <a:rPr lang="en-US" sz="600" dirty="0">
                 <a:solidFill>
                   <a:schemeClr val="tx1"/>
                 </a:solidFill>
               </a:rPr>
               <a:t>]</a:t>
             </a:r>
-            <a:endParaRPr lang="en-US" sz="600" dirty="0">
-              <a:solidFill>
-                <a:schemeClr val="tx1"/>
-              </a:solidFill>
-            </a:endParaRPr>
           </a:p>
         </p:txBody>
       </p:sp>
@@ -7329,7 +7156,7 @@
           <a:p>
             <a:pPr algn="ctr"/>
             <a:r>
-              <a:rPr lang="en-US" sz="600" dirty="0" smtClean="0">
+              <a:rPr lang="en-US" sz="600" dirty="0">
                 <a:solidFill>
                   <a:schemeClr val="tx1"/>
                 </a:solidFill>
@@ -7337,7 +7164,7 @@
               <a:t>[</a:t>
             </a:r>
             <a:r>
-              <a:rPr lang="en-US" sz="600" dirty="0" err="1" smtClean="0">
+              <a:rPr lang="en-US" sz="600" dirty="0" err="1">
                 <a:solidFill>
                   <a:schemeClr val="tx1"/>
                 </a:solidFill>
@@ -7345,7 +7172,7 @@
               <a:t>Utility.NLP</a:t>
             </a:r>
             <a:r>
-              <a:rPr lang="en-US" sz="600" dirty="0" smtClean="0">
+              <a:rPr lang="en-US" sz="600" dirty="0">
                 <a:solidFill>
                   <a:schemeClr val="tx1"/>
                 </a:solidFill>
@@ -7356,7 +7183,7 @@
           <a:p>
             <a:pPr algn="ctr"/>
             <a:r>
-              <a:rPr lang="en-US" sz="600" dirty="0" smtClean="0">
+              <a:rPr lang="en-US" sz="600" dirty="0">
                 <a:solidFill>
                   <a:schemeClr val="tx1"/>
                 </a:solidFill>
@@ -7364,7 +7191,7 @@
               <a:t>[</a:t>
             </a:r>
             <a:r>
-              <a:rPr lang="en-US" sz="600" dirty="0" err="1" smtClean="0">
+              <a:rPr lang="en-US" sz="600" dirty="0" err="1">
                 <a:solidFill>
                   <a:schemeClr val="tx1"/>
                 </a:solidFill>
@@ -7372,18 +7199,13 @@
               <a:t>UpdateThesaurus</a:t>
             </a:r>
             <a:r>
-              <a:rPr lang="en-US" sz="600" dirty="0" smtClean="0">
+              <a:rPr lang="en-US" sz="600" dirty="0">
                 <a:solidFill>
                   <a:schemeClr val="tx1"/>
                 </a:solidFill>
               </a:rPr>
               <a:t>]</a:t>
             </a:r>
-            <a:endParaRPr lang="en-US" sz="600" dirty="0">
-              <a:solidFill>
-                <a:schemeClr val="tx1"/>
-              </a:solidFill>
-            </a:endParaRPr>
           </a:p>
         </p:txBody>
       </p:sp>
@@ -7439,7 +7261,7 @@
           <a:p>
             <a:pPr algn="ctr"/>
             <a:r>
-              <a:rPr lang="en-US" sz="800" dirty="0" smtClean="0">
+              <a:rPr lang="en-US" sz="800" dirty="0">
                 <a:solidFill>
                   <a:schemeClr val="tx1"/>
                 </a:solidFill>
@@ -7447,7 +7269,7 @@
               <a:t>[</a:t>
             </a:r>
             <a:r>
-              <a:rPr lang="en-US" sz="800" dirty="0" err="1" smtClean="0">
+              <a:rPr lang="en-US" sz="800" dirty="0" err="1">
                 <a:solidFill>
                   <a:schemeClr val="tx1"/>
                 </a:solidFill>
@@ -7455,7 +7277,7 @@
               <a:t>Utility.NLP</a:t>
             </a:r>
             <a:r>
-              <a:rPr lang="en-US" sz="800" dirty="0" smtClean="0">
+              <a:rPr lang="en-US" sz="800" dirty="0">
                 <a:solidFill>
                   <a:schemeClr val="tx1"/>
                 </a:solidFill>
@@ -7466,18 +7288,13 @@
           <a:p>
             <a:pPr algn="ctr"/>
             <a:r>
-              <a:rPr lang="en-US" sz="800" dirty="0" smtClean="0">
+              <a:rPr lang="en-US" sz="800" dirty="0">
                 <a:solidFill>
                   <a:schemeClr val="tx1"/>
                 </a:solidFill>
               </a:rPr>
               <a:t>[Thesaurus]</a:t>
             </a:r>
-            <a:endParaRPr lang="en-US" sz="800" dirty="0">
-              <a:solidFill>
-                <a:schemeClr val="tx1"/>
-              </a:solidFill>
-            </a:endParaRPr>
           </a:p>
         </p:txBody>
       </p:sp>
@@ -7564,7 +7381,7 @@
           <a:p>
             <a:pPr algn="ctr"/>
             <a:r>
-              <a:rPr lang="en-US" sz="600" dirty="0" smtClean="0">
+              <a:rPr lang="en-US" sz="600" dirty="0">
                 <a:solidFill>
                   <a:schemeClr val="tx1"/>
                 </a:solidFill>
@@ -7575,7 +7392,7 @@
           <a:p>
             <a:pPr algn="ctr"/>
             <a:r>
-              <a:rPr lang="en-US" sz="600" dirty="0" smtClean="0">
+              <a:rPr lang="en-US" sz="600" dirty="0">
                 <a:solidFill>
                   <a:schemeClr val="tx1"/>
                 </a:solidFill>
@@ -7583,7 +7400,7 @@
               <a:t>[</a:t>
             </a:r>
             <a:r>
-              <a:rPr lang="en-US" sz="600" dirty="0" err="1" smtClean="0">
+              <a:rPr lang="en-US" sz="600" dirty="0" err="1">
                 <a:solidFill>
                   <a:schemeClr val="tx1"/>
                 </a:solidFill>
@@ -7591,18 +7408,13 @@
               <a:t>RunJobGroup</a:t>
             </a:r>
             <a:r>
-              <a:rPr lang="en-US" sz="600" dirty="0" smtClean="0">
+              <a:rPr lang="en-US" sz="600" dirty="0">
                 <a:solidFill>
                   <a:schemeClr val="tx1"/>
                 </a:solidFill>
               </a:rPr>
               <a:t>]</a:t>
             </a:r>
-            <a:endParaRPr lang="en-US" sz="600" dirty="0">
-              <a:solidFill>
-                <a:schemeClr val="tx1"/>
-              </a:solidFill>
-            </a:endParaRPr>
           </a:p>
         </p:txBody>
       </p:sp>
@@ -7697,7 +7509,7 @@
           <a:p>
             <a:pPr algn="ctr"/>
             <a:r>
-              <a:rPr lang="en-US" sz="900" dirty="0" smtClean="0">
+              <a:rPr lang="en-US" sz="900" dirty="0">
                 <a:solidFill>
                   <a:schemeClr val="tx1"/>
                 </a:solidFill>
@@ -7708,7 +7520,7 @@
           <a:p>
             <a:pPr algn="ctr"/>
             <a:r>
-              <a:rPr lang="en-US" sz="900" dirty="0" smtClean="0">
+              <a:rPr lang="en-US" sz="900" dirty="0">
                 <a:solidFill>
                   <a:schemeClr val="tx1"/>
                 </a:solidFill>
@@ -7719,18 +7531,13 @@
           <a:p>
             <a:pPr algn="ctr"/>
             <a:r>
-              <a:rPr lang="en-US" sz="900" dirty="0" smtClean="0">
+              <a:rPr lang="en-US" sz="900" dirty="0">
                 <a:solidFill>
                   <a:schemeClr val="tx1"/>
                 </a:solidFill>
               </a:rPr>
               <a:t>Tables</a:t>
             </a:r>
-            <a:endParaRPr lang="en-US" sz="900" dirty="0">
-              <a:solidFill>
-                <a:schemeClr val="tx1"/>
-              </a:solidFill>
-            </a:endParaRPr>
           </a:p>
         </p:txBody>
       </p:sp>
@@ -7825,7 +7632,7 @@
           <a:p>
             <a:pPr algn="ctr"/>
             <a:r>
-              <a:rPr lang="en-US" sz="800" dirty="0" smtClean="0">
+              <a:rPr lang="en-US" sz="800" dirty="0">
                 <a:solidFill>
                   <a:schemeClr val="tx1"/>
                 </a:solidFill>
@@ -7833,7 +7640,7 @@
               <a:t>[</a:t>
             </a:r>
             <a:r>
-              <a:rPr lang="en-US" sz="800" dirty="0" err="1" smtClean="0">
+              <a:rPr lang="en-US" sz="800" dirty="0" err="1">
                 <a:solidFill>
                   <a:schemeClr val="tx1"/>
                 </a:solidFill>
@@ -7841,7 +7648,7 @@
               <a:t>RDF.Security</a:t>
             </a:r>
             <a:r>
-              <a:rPr lang="en-US" sz="800" dirty="0" smtClean="0">
+              <a:rPr lang="en-US" sz="800" dirty="0">
                 <a:solidFill>
                   <a:schemeClr val="tx1"/>
                 </a:solidFill>
@@ -7852,7 +7659,7 @@
           <a:p>
             <a:pPr algn="ctr"/>
             <a:r>
-              <a:rPr lang="en-US" sz="800" dirty="0" smtClean="0">
+              <a:rPr lang="en-US" sz="800" dirty="0">
                 <a:solidFill>
                   <a:schemeClr val="tx1"/>
                 </a:solidFill>
@@ -7860,7 +7667,7 @@
               <a:t>[</a:t>
             </a:r>
             <a:r>
-              <a:rPr lang="en-US" sz="800" dirty="0" err="1" smtClean="0">
+              <a:rPr lang="en-US" sz="800" dirty="0" err="1">
                 <a:solidFill>
                   <a:schemeClr val="tx1"/>
                 </a:solidFill>
@@ -7868,18 +7675,13 @@
               <a:t>NodeProperty</a:t>
             </a:r>
             <a:r>
-              <a:rPr lang="en-US" sz="800" dirty="0" smtClean="0">
+              <a:rPr lang="en-US" sz="800" dirty="0">
                 <a:solidFill>
                   <a:schemeClr val="tx1"/>
                 </a:solidFill>
               </a:rPr>
               <a:t>]</a:t>
             </a:r>
-            <a:endParaRPr lang="en-US" sz="800" dirty="0">
-              <a:solidFill>
-                <a:schemeClr val="tx1"/>
-              </a:solidFill>
-            </a:endParaRPr>
           </a:p>
         </p:txBody>
       </p:sp>
@@ -7972,7 +7774,7 @@
           <a:p>
             <a:pPr algn="ctr"/>
             <a:r>
-              <a:rPr lang="en-US" sz="800" dirty="0" err="1" smtClean="0">
+              <a:rPr lang="en-US" sz="800" dirty="0" err="1">
                 <a:solidFill>
                   <a:schemeClr val="tx1"/>
                 </a:solidFill>
@@ -7980,18 +7782,13 @@
               <a:t>SemGroups</a:t>
             </a:r>
             <a:r>
-              <a:rPr lang="en-US" sz="800" dirty="0" smtClean="0">
+              <a:rPr lang="en-US" sz="800" dirty="0">
                 <a:solidFill>
                   <a:schemeClr val="tx1"/>
                 </a:solidFill>
               </a:rPr>
               <a:t>/MeSH.xml</a:t>
             </a:r>
-            <a:endParaRPr lang="en-US" sz="800" dirty="0">
-              <a:solidFill>
-                <a:schemeClr val="tx1"/>
-              </a:solidFill>
-            </a:endParaRPr>
           </a:p>
         </p:txBody>
       </p:sp>
@@ -8019,18 +7816,17 @@
           <a:p>
             <a:pPr algn="ctr"/>
             <a:r>
-              <a:rPr lang="en-US" sz="2400" dirty="0" smtClean="0"/>
+              <a:rPr lang="en-US" sz="2400" dirty="0"/>
               <a:t>Profiles </a:t>
             </a:r>
             <a:r>
-              <a:rPr lang="en-US" sz="2400" smtClean="0"/>
-              <a:t>RNS 2.11.0 </a:t>
-            </a:r>
-            <a:r>
-              <a:rPr lang="en-US" sz="2400" dirty="0" smtClean="0"/>
+              <a:rPr lang="en-US" sz="2400"/>
+              <a:t>RNS 2.11.1 </a:t>
+            </a:r>
+            <a:r>
+              <a:rPr lang="en-US" sz="2400" dirty="0"/>
               <a:t>Installation Data Flow Diagram</a:t>
             </a:r>
-            <a:endParaRPr lang="en-US" sz="2400" dirty="0"/>
           </a:p>
         </p:txBody>
       </p:sp>
@@ -8086,18 +7882,13 @@
           <a:p>
             <a:pPr algn="ctr"/>
             <a:r>
-              <a:rPr lang="en-US" sz="800" dirty="0" smtClean="0">
+              <a:rPr lang="en-US" sz="800" dirty="0">
                 <a:solidFill>
                   <a:schemeClr val="tx1"/>
                 </a:solidFill>
               </a:rPr>
               <a:t>Disambiguation Services</a:t>
             </a:r>
-            <a:endParaRPr lang="en-US" sz="800" dirty="0">
-              <a:solidFill>
-                <a:schemeClr val="tx1"/>
-              </a:solidFill>
-            </a:endParaRPr>
           </a:p>
         </p:txBody>
       </p:sp>
@@ -8186,7 +7977,7 @@
           <a:p>
             <a:pPr algn="ctr"/>
             <a:r>
-              <a:rPr lang="en-US" sz="600" dirty="0" smtClean="0">
+              <a:rPr lang="en-US" sz="600" dirty="0">
                 <a:solidFill>
                   <a:schemeClr val="tx1"/>
                 </a:solidFill>
@@ -8194,7 +7985,7 @@
               <a:t>[</a:t>
             </a:r>
             <a:r>
-              <a:rPr lang="en-US" sz="600" dirty="0" err="1" smtClean="0">
+              <a:rPr lang="en-US" sz="600" dirty="0" err="1">
                 <a:solidFill>
                   <a:schemeClr val="tx1"/>
                 </a:solidFill>
@@ -8202,7 +7993,7 @@
               <a:t>Profile.Data</a:t>
             </a:r>
             <a:r>
-              <a:rPr lang="en-US" sz="600" dirty="0" smtClean="0">
+              <a:rPr lang="en-US" sz="600" dirty="0">
                 <a:solidFill>
                   <a:schemeClr val="tx1"/>
                 </a:solidFill>
@@ -8213,7 +8004,7 @@
           <a:p>
             <a:pPr algn="ctr"/>
             <a:r>
-              <a:rPr lang="en-US" sz="600" dirty="0" smtClean="0">
+              <a:rPr lang="en-US" sz="600" dirty="0">
                 <a:solidFill>
                   <a:schemeClr val="tx1"/>
                 </a:solidFill>
@@ -8221,7 +8012,7 @@
               <a:t>[</a:t>
             </a:r>
             <a:r>
-              <a:rPr lang="en-US" sz="600" dirty="0" err="1" smtClean="0">
+              <a:rPr lang="en-US" sz="600" dirty="0" err="1">
                 <a:solidFill>
                   <a:schemeClr val="tx1"/>
                 </a:solidFill>
@@ -8229,7 +8020,7 @@
               <a:t>Publication.PubMed</a:t>
             </a:r>
             <a:r>
-              <a:rPr lang="en-US" sz="600" dirty="0" smtClean="0">
+              <a:rPr lang="en-US" sz="600" dirty="0">
                 <a:solidFill>
                   <a:schemeClr val="tx1"/>
                 </a:solidFill>
@@ -8240,7 +8031,7 @@
           <a:p>
             <a:pPr algn="ctr"/>
             <a:r>
-              <a:rPr lang="en-US" sz="600" dirty="0" err="1" smtClean="0">
+              <a:rPr lang="en-US" sz="600" dirty="0" err="1">
                 <a:solidFill>
                   <a:schemeClr val="tx1"/>
                 </a:solidFill>
@@ -8248,7 +8039,7 @@
               <a:t>GetPersonInfoForDisambiguation</a:t>
             </a:r>
             <a:r>
-              <a:rPr lang="en-US" sz="600" dirty="0" smtClean="0">
+              <a:rPr lang="en-US" sz="600" dirty="0">
                 <a:solidFill>
                   <a:schemeClr val="tx1"/>
                 </a:solidFill>
@@ -8287,16 +8078,12 @@
           <a:p>
             <a:pPr algn="ctr"/>
             <a:r>
-              <a:rPr lang="en-US" sz="1300" dirty="0" smtClean="0"/>
+              <a:rPr lang="en-US" sz="1300" dirty="0"/>
               <a:t>Selected data sources (circles), tables (grey boxes), and procedures (red boxes) used during the installation of Profiles </a:t>
             </a:r>
             <a:r>
-              <a:rPr lang="en-US" sz="1300" smtClean="0"/>
-              <a:t>RNS </a:t>
-            </a:r>
-            <a:r>
-              <a:rPr lang="en-US" sz="1300" smtClean="0"/>
-              <a:t>2.11.0</a:t>
+              <a:rPr lang="en-US" sz="1300"/>
+              <a:t>RNS 2.11.0</a:t>
             </a:r>
             <a:endParaRPr lang="en-US" sz="1300" dirty="0"/>
           </a:p>
@@ -8354,7 +8141,7 @@
           <a:p>
             <a:pPr algn="ctr"/>
             <a:r>
-              <a:rPr lang="en-US" sz="800" dirty="0" smtClean="0">
+              <a:rPr lang="en-US" sz="800" dirty="0">
                 <a:solidFill>
                   <a:schemeClr val="tx1"/>
                 </a:solidFill>
@@ -8362,7 +8149,7 @@
               <a:t>Eagle-</a:t>
             </a:r>
             <a:r>
-              <a:rPr lang="en-US" sz="800" dirty="0" err="1" smtClean="0">
+              <a:rPr lang="en-US" sz="800" dirty="0" err="1">
                 <a:solidFill>
                   <a:schemeClr val="tx1"/>
                 </a:solidFill>
@@ -8462,7 +8249,7 @@
           <a:p>
             <a:pPr algn="ctr"/>
             <a:r>
-              <a:rPr lang="en-US" sz="600" dirty="0" smtClean="0">
+              <a:rPr lang="en-US" sz="600" dirty="0">
                 <a:solidFill>
                   <a:schemeClr val="tx1"/>
                 </a:solidFill>
@@ -8470,7 +8257,7 @@
               <a:t>[</a:t>
             </a:r>
             <a:r>
-              <a:rPr lang="en-US" sz="600" dirty="0" err="1" smtClean="0">
+              <a:rPr lang="en-US" sz="600" dirty="0" err="1">
                 <a:solidFill>
                   <a:schemeClr val="tx1"/>
                 </a:solidFill>
@@ -8478,7 +8265,7 @@
               <a:t>Profile.Data</a:t>
             </a:r>
             <a:r>
-              <a:rPr lang="en-US" sz="600" dirty="0" smtClean="0">
+              <a:rPr lang="en-US" sz="600" dirty="0">
                 <a:solidFill>
                   <a:schemeClr val="tx1"/>
                 </a:solidFill>
@@ -8489,7 +8276,7 @@
           <a:p>
             <a:pPr algn="ctr"/>
             <a:r>
-              <a:rPr lang="en-US" sz="600" dirty="0" smtClean="0">
+              <a:rPr lang="en-US" sz="600" dirty="0">
                 <a:solidFill>
                   <a:schemeClr val="tx1"/>
                 </a:solidFill>
@@ -8497,7 +8284,7 @@
               <a:t>[</a:t>
             </a:r>
             <a:r>
-              <a:rPr lang="en-US" sz="600" dirty="0" err="1" smtClean="0">
+              <a:rPr lang="en-US" sz="600" dirty="0" err="1">
                 <a:solidFill>
                   <a:schemeClr val="tx1"/>
                 </a:solidFill>
@@ -8505,7 +8292,7 @@
               <a:t>EagleI.ImportXML</a:t>
             </a:r>
             <a:r>
-              <a:rPr lang="en-US" sz="600" dirty="0" smtClean="0">
+              <a:rPr lang="en-US" sz="600" dirty="0">
                 <a:solidFill>
                   <a:schemeClr val="tx1"/>
                 </a:solidFill>
@@ -8516,18 +8303,13 @@
           <a:p>
             <a:pPr algn="ctr"/>
             <a:r>
-              <a:rPr lang="en-US" sz="600" dirty="0" smtClean="0">
+              <a:rPr lang="en-US" sz="600" dirty="0">
                 <a:solidFill>
                   <a:schemeClr val="tx1"/>
                 </a:solidFill>
               </a:rPr>
               <a:t>[Profile.Data].[EagleI.HTML]</a:t>
             </a:r>
-            <a:endParaRPr lang="en-US" sz="600" dirty="0">
-              <a:solidFill>
-                <a:schemeClr val="tx1"/>
-              </a:solidFill>
-            </a:endParaRPr>
           </a:p>
         </p:txBody>
       </p:sp>
@@ -8541,13 +8323,6 @@
   <p:clrMapOvr>
     <a:masterClrMapping/>
   </p:clrMapOvr>
-  <p:timing>
-    <p:tnLst>
-      <p:par>
-        <p:cTn id="1" dur="indefinite" restart="never" nodeType="tmRoot"/>
-      </p:par>
-    </p:tnLst>
-  </p:timing>
 </p:sld>
 </file>
 

--- a/Documentation/ProfilesRNS_DataFlowDiagram.pptx
+++ b/Documentation/ProfilesRNS_DataFlowDiagram.pptx
@@ -123,10 +123,6 @@
 </p:presentation>
 </file>
 
-<file path=ppt/revisionInfo.xml><?xml version="1.0" encoding="utf-8"?>
-<p1510:revInfo xmlns:a="http://schemas.openxmlformats.org/drawingml/2006/main" xmlns:r="http://schemas.openxmlformats.org/officeDocument/2006/relationships" xmlns:p1510="http://schemas.microsoft.com/office/powerpoint/2015/10/main"/>
-</file>
-
 <file path=ppt/slideLayouts/slideLayout1.xml><?xml version="1.0" encoding="utf-8"?>
 <p:sldLayout xmlns:a="http://schemas.openxmlformats.org/drawingml/2006/main" xmlns:r="http://schemas.openxmlformats.org/officeDocument/2006/relationships" xmlns:p="http://schemas.openxmlformats.org/presentationml/2006/main" type="title" preserve="1">
   <p:cSld name="Title Slide">
@@ -307,7 +303,7 @@
             <a:fld id="{72957018-D432-EA46-BFF1-2153CC7DE60B}" type="datetimeFigureOut">
               <a:rPr lang="en-US" smtClean="0"/>
               <a:pPr/>
-              <a:t>5/29/2018</a:t>
+              <a:t>8/19/2019</a:t>
             </a:fld>
             <a:endParaRPr lang="en-US"/>
           </a:p>
@@ -477,7 +473,7 @@
             <a:fld id="{72957018-D432-EA46-BFF1-2153CC7DE60B}" type="datetimeFigureOut">
               <a:rPr lang="en-US" smtClean="0"/>
               <a:pPr/>
-              <a:t>5/29/2018</a:t>
+              <a:t>8/19/2019</a:t>
             </a:fld>
             <a:endParaRPr lang="en-US"/>
           </a:p>
@@ -657,7 +653,7 @@
             <a:fld id="{72957018-D432-EA46-BFF1-2153CC7DE60B}" type="datetimeFigureOut">
               <a:rPr lang="en-US" smtClean="0"/>
               <a:pPr/>
-              <a:t>5/29/2018</a:t>
+              <a:t>8/19/2019</a:t>
             </a:fld>
             <a:endParaRPr lang="en-US"/>
           </a:p>
@@ -827,7 +823,7 @@
             <a:fld id="{72957018-D432-EA46-BFF1-2153CC7DE60B}" type="datetimeFigureOut">
               <a:rPr lang="en-US" smtClean="0"/>
               <a:pPr/>
-              <a:t>5/29/2018</a:t>
+              <a:t>8/19/2019</a:t>
             </a:fld>
             <a:endParaRPr lang="en-US"/>
           </a:p>
@@ -1074,7 +1070,7 @@
             <a:fld id="{72957018-D432-EA46-BFF1-2153CC7DE60B}" type="datetimeFigureOut">
               <a:rPr lang="en-US" smtClean="0"/>
               <a:pPr/>
-              <a:t>5/29/2018</a:t>
+              <a:t>8/19/2019</a:t>
             </a:fld>
             <a:endParaRPr lang="en-US"/>
           </a:p>
@@ -1361,7 +1357,7 @@
             <a:fld id="{72957018-D432-EA46-BFF1-2153CC7DE60B}" type="datetimeFigureOut">
               <a:rPr lang="en-US" smtClean="0"/>
               <a:pPr/>
-              <a:t>5/29/2018</a:t>
+              <a:t>8/19/2019</a:t>
             </a:fld>
             <a:endParaRPr lang="en-US"/>
           </a:p>
@@ -1782,7 +1778,7 @@
             <a:fld id="{72957018-D432-EA46-BFF1-2153CC7DE60B}" type="datetimeFigureOut">
               <a:rPr lang="en-US" smtClean="0"/>
               <a:pPr/>
-              <a:t>5/29/2018</a:t>
+              <a:t>8/19/2019</a:t>
             </a:fld>
             <a:endParaRPr lang="en-US"/>
           </a:p>
@@ -1901,7 +1897,7 @@
             <a:fld id="{72957018-D432-EA46-BFF1-2153CC7DE60B}" type="datetimeFigureOut">
               <a:rPr lang="en-US" smtClean="0"/>
               <a:pPr/>
-              <a:t>5/29/2018</a:t>
+              <a:t>8/19/2019</a:t>
             </a:fld>
             <a:endParaRPr lang="en-US"/>
           </a:p>
@@ -1998,7 +1994,7 @@
             <a:fld id="{72957018-D432-EA46-BFF1-2153CC7DE60B}" type="datetimeFigureOut">
               <a:rPr lang="en-US" smtClean="0"/>
               <a:pPr/>
-              <a:t>5/29/2018</a:t>
+              <a:t>8/19/2019</a:t>
             </a:fld>
             <a:endParaRPr lang="en-US"/>
           </a:p>
@@ -2275,7 +2271,7 @@
             <a:fld id="{72957018-D432-EA46-BFF1-2153CC7DE60B}" type="datetimeFigureOut">
               <a:rPr lang="en-US" smtClean="0"/>
               <a:pPr/>
-              <a:t>5/29/2018</a:t>
+              <a:t>8/19/2019</a:t>
             </a:fld>
             <a:endParaRPr lang="en-US"/>
           </a:p>
@@ -2529,7 +2525,7 @@
             <a:fld id="{72957018-D432-EA46-BFF1-2153CC7DE60B}" type="datetimeFigureOut">
               <a:rPr lang="en-US" smtClean="0"/>
               <a:pPr/>
-              <a:t>5/29/2018</a:t>
+              <a:t>8/19/2019</a:t>
             </a:fld>
             <a:endParaRPr lang="en-US"/>
           </a:p>
@@ -2742,7 +2738,7 @@
             <a:fld id="{72957018-D432-EA46-BFF1-2153CC7DE60B}" type="datetimeFigureOut">
               <a:rPr lang="en-US" smtClean="0"/>
               <a:pPr/>
-              <a:t>5/29/2018</a:t>
+              <a:t>8/19/2019</a:t>
             </a:fld>
             <a:endParaRPr lang="en-US"/>
           </a:p>
@@ -7821,7 +7817,7 @@
             </a:r>
             <a:r>
               <a:rPr lang="en-US" sz="2400"/>
-              <a:t>RNS 2.11.1 </a:t>
+              <a:t>RNS 2.12.0 </a:t>
             </a:r>
             <a:r>
               <a:rPr lang="en-US" sz="2400" dirty="0"/>

--- a/Documentation/ProfilesRNS_DataFlowDiagram.pptx
+++ b/Documentation/ProfilesRNS_DataFlowDiagram.pptx
@@ -303,7 +303,7 @@
             <a:fld id="{72957018-D432-EA46-BFF1-2153CC7DE60B}" type="datetimeFigureOut">
               <a:rPr lang="en-US" smtClean="0"/>
               <a:pPr/>
-              <a:t>8/19/2019</a:t>
+              <a:t>4/6/2020</a:t>
             </a:fld>
             <a:endParaRPr lang="en-US"/>
           </a:p>
@@ -473,7 +473,7 @@
             <a:fld id="{72957018-D432-EA46-BFF1-2153CC7DE60B}" type="datetimeFigureOut">
               <a:rPr lang="en-US" smtClean="0"/>
               <a:pPr/>
-              <a:t>8/19/2019</a:t>
+              <a:t>4/6/2020</a:t>
             </a:fld>
             <a:endParaRPr lang="en-US"/>
           </a:p>
@@ -653,7 +653,7 @@
             <a:fld id="{72957018-D432-EA46-BFF1-2153CC7DE60B}" type="datetimeFigureOut">
               <a:rPr lang="en-US" smtClean="0"/>
               <a:pPr/>
-              <a:t>8/19/2019</a:t>
+              <a:t>4/6/2020</a:t>
             </a:fld>
             <a:endParaRPr lang="en-US"/>
           </a:p>
@@ -823,7 +823,7 @@
             <a:fld id="{72957018-D432-EA46-BFF1-2153CC7DE60B}" type="datetimeFigureOut">
               <a:rPr lang="en-US" smtClean="0"/>
               <a:pPr/>
-              <a:t>8/19/2019</a:t>
+              <a:t>4/6/2020</a:t>
             </a:fld>
             <a:endParaRPr lang="en-US"/>
           </a:p>
@@ -1070,7 +1070,7 @@
             <a:fld id="{72957018-D432-EA46-BFF1-2153CC7DE60B}" type="datetimeFigureOut">
               <a:rPr lang="en-US" smtClean="0"/>
               <a:pPr/>
-              <a:t>8/19/2019</a:t>
+              <a:t>4/6/2020</a:t>
             </a:fld>
             <a:endParaRPr lang="en-US"/>
           </a:p>
@@ -1357,7 +1357,7 @@
             <a:fld id="{72957018-D432-EA46-BFF1-2153CC7DE60B}" type="datetimeFigureOut">
               <a:rPr lang="en-US" smtClean="0"/>
               <a:pPr/>
-              <a:t>8/19/2019</a:t>
+              <a:t>4/6/2020</a:t>
             </a:fld>
             <a:endParaRPr lang="en-US"/>
           </a:p>
@@ -1778,7 +1778,7 @@
             <a:fld id="{72957018-D432-EA46-BFF1-2153CC7DE60B}" type="datetimeFigureOut">
               <a:rPr lang="en-US" smtClean="0"/>
               <a:pPr/>
-              <a:t>8/19/2019</a:t>
+              <a:t>4/6/2020</a:t>
             </a:fld>
             <a:endParaRPr lang="en-US"/>
           </a:p>
@@ -1897,7 +1897,7 @@
             <a:fld id="{72957018-D432-EA46-BFF1-2153CC7DE60B}" type="datetimeFigureOut">
               <a:rPr lang="en-US" smtClean="0"/>
               <a:pPr/>
-              <a:t>8/19/2019</a:t>
+              <a:t>4/6/2020</a:t>
             </a:fld>
             <a:endParaRPr lang="en-US"/>
           </a:p>
@@ -1994,7 +1994,7 @@
             <a:fld id="{72957018-D432-EA46-BFF1-2153CC7DE60B}" type="datetimeFigureOut">
               <a:rPr lang="en-US" smtClean="0"/>
               <a:pPr/>
-              <a:t>8/19/2019</a:t>
+              <a:t>4/6/2020</a:t>
             </a:fld>
             <a:endParaRPr lang="en-US"/>
           </a:p>
@@ -2271,7 +2271,7 @@
             <a:fld id="{72957018-D432-EA46-BFF1-2153CC7DE60B}" type="datetimeFigureOut">
               <a:rPr lang="en-US" smtClean="0"/>
               <a:pPr/>
-              <a:t>8/19/2019</a:t>
+              <a:t>4/6/2020</a:t>
             </a:fld>
             <a:endParaRPr lang="en-US"/>
           </a:p>
@@ -2525,7 +2525,7 @@
             <a:fld id="{72957018-D432-EA46-BFF1-2153CC7DE60B}" type="datetimeFigureOut">
               <a:rPr lang="en-US" smtClean="0"/>
               <a:pPr/>
-              <a:t>8/19/2019</a:t>
+              <a:t>4/6/2020</a:t>
             </a:fld>
             <a:endParaRPr lang="en-US"/>
           </a:p>
@@ -2738,7 +2738,7 @@
             <a:fld id="{72957018-D432-EA46-BFF1-2153CC7DE60B}" type="datetimeFigureOut">
               <a:rPr lang="en-US" smtClean="0"/>
               <a:pPr/>
-              <a:t>8/19/2019</a:t>
+              <a:t>4/6/2020</a:t>
             </a:fld>
             <a:endParaRPr lang="en-US"/>
           </a:p>
@@ -7813,15 +7813,7 @@
             <a:pPr algn="ctr"/>
             <a:r>
               <a:rPr lang="en-US" sz="2400" dirty="0"/>
-              <a:t>Profiles </a:t>
-            </a:r>
-            <a:r>
-              <a:rPr lang="en-US" sz="2400"/>
-              <a:t>RNS 2.12.0 </a:t>
-            </a:r>
-            <a:r>
-              <a:rPr lang="en-US" sz="2400" dirty="0"/>
-              <a:t>Installation Data Flow Diagram</a:t>
+              <a:t>Profiles RNS 3.0.0 Installation Data Flow Diagram</a:t>
             </a:r>
           </a:p>
         </p:txBody>
@@ -8075,13 +8067,8 @@
             <a:pPr algn="ctr"/>
             <a:r>
               <a:rPr lang="en-US" sz="1300" dirty="0"/>
-              <a:t>Selected data sources (circles), tables (grey boxes), and procedures (red boxes) used during the installation of Profiles </a:t>
-            </a:r>
-            <a:r>
-              <a:rPr lang="en-US" sz="1300"/>
-              <a:t>RNS 2.11.0</a:t>
-            </a:r>
-            <a:endParaRPr lang="en-US" sz="1300" dirty="0"/>
+              <a:t>Selected data sources (circles), tables (grey boxes), and procedures (red boxes) used during the installation of Profiles RNS 3.0.0</a:t>
+            </a:r>
           </a:p>
         </p:txBody>
       </p:sp>

--- a/Documentation/ProfilesRNS_DataFlowDiagram.pptx
+++ b/Documentation/ProfilesRNS_DataFlowDiagram.pptx
@@ -303,7 +303,7 @@
             <a:fld id="{72957018-D432-EA46-BFF1-2153CC7DE60B}" type="datetimeFigureOut">
               <a:rPr lang="en-US" smtClean="0"/>
               <a:pPr/>
-              <a:t>4/6/2020</a:t>
+              <a:t>5/5/2021</a:t>
             </a:fld>
             <a:endParaRPr lang="en-US"/>
           </a:p>
@@ -473,7 +473,7 @@
             <a:fld id="{72957018-D432-EA46-BFF1-2153CC7DE60B}" type="datetimeFigureOut">
               <a:rPr lang="en-US" smtClean="0"/>
               <a:pPr/>
-              <a:t>4/6/2020</a:t>
+              <a:t>5/5/2021</a:t>
             </a:fld>
             <a:endParaRPr lang="en-US"/>
           </a:p>
@@ -653,7 +653,7 @@
             <a:fld id="{72957018-D432-EA46-BFF1-2153CC7DE60B}" type="datetimeFigureOut">
               <a:rPr lang="en-US" smtClean="0"/>
               <a:pPr/>
-              <a:t>4/6/2020</a:t>
+              <a:t>5/5/2021</a:t>
             </a:fld>
             <a:endParaRPr lang="en-US"/>
           </a:p>
@@ -823,7 +823,7 @@
             <a:fld id="{72957018-D432-EA46-BFF1-2153CC7DE60B}" type="datetimeFigureOut">
               <a:rPr lang="en-US" smtClean="0"/>
               <a:pPr/>
-              <a:t>4/6/2020</a:t>
+              <a:t>5/5/2021</a:t>
             </a:fld>
             <a:endParaRPr lang="en-US"/>
           </a:p>
@@ -1070,7 +1070,7 @@
             <a:fld id="{72957018-D432-EA46-BFF1-2153CC7DE60B}" type="datetimeFigureOut">
               <a:rPr lang="en-US" smtClean="0"/>
               <a:pPr/>
-              <a:t>4/6/2020</a:t>
+              <a:t>5/5/2021</a:t>
             </a:fld>
             <a:endParaRPr lang="en-US"/>
           </a:p>
@@ -1357,7 +1357,7 @@
             <a:fld id="{72957018-D432-EA46-BFF1-2153CC7DE60B}" type="datetimeFigureOut">
               <a:rPr lang="en-US" smtClean="0"/>
               <a:pPr/>
-              <a:t>4/6/2020</a:t>
+              <a:t>5/5/2021</a:t>
             </a:fld>
             <a:endParaRPr lang="en-US"/>
           </a:p>
@@ -1778,7 +1778,7 @@
             <a:fld id="{72957018-D432-EA46-BFF1-2153CC7DE60B}" type="datetimeFigureOut">
               <a:rPr lang="en-US" smtClean="0"/>
               <a:pPr/>
-              <a:t>4/6/2020</a:t>
+              <a:t>5/5/2021</a:t>
             </a:fld>
             <a:endParaRPr lang="en-US"/>
           </a:p>
@@ -1897,7 +1897,7 @@
             <a:fld id="{72957018-D432-EA46-BFF1-2153CC7DE60B}" type="datetimeFigureOut">
               <a:rPr lang="en-US" smtClean="0"/>
               <a:pPr/>
-              <a:t>4/6/2020</a:t>
+              <a:t>5/5/2021</a:t>
             </a:fld>
             <a:endParaRPr lang="en-US"/>
           </a:p>
@@ -1994,7 +1994,7 @@
             <a:fld id="{72957018-D432-EA46-BFF1-2153CC7DE60B}" type="datetimeFigureOut">
               <a:rPr lang="en-US" smtClean="0"/>
               <a:pPr/>
-              <a:t>4/6/2020</a:t>
+              <a:t>5/5/2021</a:t>
             </a:fld>
             <a:endParaRPr lang="en-US"/>
           </a:p>
@@ -2271,7 +2271,7 @@
             <a:fld id="{72957018-D432-EA46-BFF1-2153CC7DE60B}" type="datetimeFigureOut">
               <a:rPr lang="en-US" smtClean="0"/>
               <a:pPr/>
-              <a:t>4/6/2020</a:t>
+              <a:t>5/5/2021</a:t>
             </a:fld>
             <a:endParaRPr lang="en-US"/>
           </a:p>
@@ -2525,7 +2525,7 @@
             <a:fld id="{72957018-D432-EA46-BFF1-2153CC7DE60B}" type="datetimeFigureOut">
               <a:rPr lang="en-US" smtClean="0"/>
               <a:pPr/>
-              <a:t>4/6/2020</a:t>
+              <a:t>5/5/2021</a:t>
             </a:fld>
             <a:endParaRPr lang="en-US"/>
           </a:p>
@@ -2738,7 +2738,7 @@
             <a:fld id="{72957018-D432-EA46-BFF1-2153CC7DE60B}" type="datetimeFigureOut">
               <a:rPr lang="en-US" smtClean="0"/>
               <a:pPr/>
-              <a:t>4/6/2020</a:t>
+              <a:t>5/5/2021</a:t>
             </a:fld>
             <a:endParaRPr lang="en-US"/>
           </a:p>
@@ -7813,7 +7813,15 @@
             <a:pPr algn="ctr"/>
             <a:r>
               <a:rPr lang="en-US" sz="2400" dirty="0"/>
-              <a:t>Profiles RNS 3.0.0 Installation Data Flow Diagram</a:t>
+              <a:t>Profiles </a:t>
+            </a:r>
+            <a:r>
+              <a:rPr lang="en-US" sz="2400"/>
+              <a:t>RNS 3.1.0 </a:t>
+            </a:r>
+            <a:r>
+              <a:rPr lang="en-US" sz="2400" dirty="0"/>
+              <a:t>Installation Data Flow Diagram</a:t>
             </a:r>
           </a:p>
         </p:txBody>
